--- a/images3.pptx
+++ b/images3.pptx
@@ -5,19 +5,24 @@
     <p:sldMasterId id="2147483648" r:id="rId1"/>
   </p:sldMasterIdLst>
   <p:notesMasterIdLst>
-    <p:notesMasterId r:id="rId12"/>
+    <p:notesMasterId r:id="rId17"/>
   </p:notesMasterIdLst>
   <p:sldIdLst>
-    <p:sldId id="265" r:id="rId2"/>
-    <p:sldId id="266" r:id="rId3"/>
-    <p:sldId id="267" r:id="rId4"/>
-    <p:sldId id="268" r:id="rId5"/>
-    <p:sldId id="1243" r:id="rId6"/>
-    <p:sldId id="1244" r:id="rId7"/>
-    <p:sldId id="1245" r:id="rId8"/>
-    <p:sldId id="1246" r:id="rId9"/>
-    <p:sldId id="1247" r:id="rId10"/>
-    <p:sldId id="1248" r:id="rId11"/>
+    <p:sldId id="266" r:id="rId2"/>
+    <p:sldId id="267" r:id="rId3"/>
+    <p:sldId id="268" r:id="rId4"/>
+    <p:sldId id="269" r:id="rId5"/>
+    <p:sldId id="270" r:id="rId6"/>
+    <p:sldId id="271" r:id="rId7"/>
+    <p:sldId id="272" r:id="rId8"/>
+    <p:sldId id="273" r:id="rId9"/>
+    <p:sldId id="274" r:id="rId10"/>
+    <p:sldId id="275" r:id="rId11"/>
+    <p:sldId id="276" r:id="rId12"/>
+    <p:sldId id="277" r:id="rId13"/>
+    <p:sldId id="279" r:id="rId14"/>
+    <p:sldId id="278" r:id="rId15"/>
+    <p:sldId id="281" r:id="rId16"/>
   </p:sldIdLst>
   <p:sldSz cx="12192000" cy="6858000"/>
   <p:notesSz cx="6858000" cy="9144000"/>
@@ -206,7 +211,7 @@
           <a:p>
             <a:fld id="{2DE31E4A-060E-4045-858B-E1230EB99EE7}" type="datetimeFigureOut">
               <a:rPr kumimoji="1" lang="ja-JP" altLang="en-US" smtClean="0"/>
-              <a:t>2021/10/11</a:t>
+              <a:t>2021/10/13</a:t>
             </a:fld>
             <a:endParaRPr kumimoji="1" lang="ja-JP" altLang="en-US"/>
           </a:p>
@@ -652,7 +657,7 @@
           <a:p>
             <a:fld id="{4A556EAE-DB5F-254D-A7F4-56574AE01A82}" type="datetimeFigureOut">
               <a:rPr kumimoji="1" lang="ja-JP" altLang="en-US" smtClean="0"/>
-              <a:t>2021/10/11</a:t>
+              <a:t>2021/10/13</a:t>
             </a:fld>
             <a:endParaRPr kumimoji="1" lang="ja-JP" altLang="en-US"/>
           </a:p>
@@ -882,7 +887,7 @@
           <a:p>
             <a:fld id="{4A556EAE-DB5F-254D-A7F4-56574AE01A82}" type="datetimeFigureOut">
               <a:rPr kumimoji="1" lang="ja-JP" altLang="en-US" smtClean="0"/>
-              <a:t>2021/10/11</a:t>
+              <a:t>2021/10/13</a:t>
             </a:fld>
             <a:endParaRPr kumimoji="1" lang="ja-JP" altLang="en-US"/>
           </a:p>
@@ -1122,7 +1127,7 @@
           <a:p>
             <a:fld id="{4A556EAE-DB5F-254D-A7F4-56574AE01A82}" type="datetimeFigureOut">
               <a:rPr kumimoji="1" lang="ja-JP" altLang="en-US" smtClean="0"/>
-              <a:t>2021/10/11</a:t>
+              <a:t>2021/10/13</a:t>
             </a:fld>
             <a:endParaRPr kumimoji="1" lang="ja-JP" altLang="en-US"/>
           </a:p>
@@ -1352,7 +1357,7 @@
           <a:p>
             <a:fld id="{4A556EAE-DB5F-254D-A7F4-56574AE01A82}" type="datetimeFigureOut">
               <a:rPr kumimoji="1" lang="ja-JP" altLang="en-US" smtClean="0"/>
-              <a:t>2021/10/11</a:t>
+              <a:t>2021/10/13</a:t>
             </a:fld>
             <a:endParaRPr kumimoji="1" lang="ja-JP" altLang="en-US"/>
           </a:p>
@@ -1627,7 +1632,7 @@
           <a:p>
             <a:fld id="{4A556EAE-DB5F-254D-A7F4-56574AE01A82}" type="datetimeFigureOut">
               <a:rPr kumimoji="1" lang="ja-JP" altLang="en-US" smtClean="0"/>
-              <a:t>2021/10/11</a:t>
+              <a:t>2021/10/13</a:t>
             </a:fld>
             <a:endParaRPr kumimoji="1" lang="ja-JP" altLang="en-US"/>
           </a:p>
@@ -1956,7 +1961,7 @@
           <a:p>
             <a:fld id="{4A556EAE-DB5F-254D-A7F4-56574AE01A82}" type="datetimeFigureOut">
               <a:rPr kumimoji="1" lang="ja-JP" altLang="en-US" smtClean="0"/>
-              <a:t>2021/10/11</a:t>
+              <a:t>2021/10/13</a:t>
             </a:fld>
             <a:endParaRPr kumimoji="1" lang="ja-JP" altLang="en-US"/>
           </a:p>
@@ -2432,7 +2437,7 @@
           <a:p>
             <a:fld id="{4A556EAE-DB5F-254D-A7F4-56574AE01A82}" type="datetimeFigureOut">
               <a:rPr kumimoji="1" lang="ja-JP" altLang="en-US" smtClean="0"/>
-              <a:t>2021/10/11</a:t>
+              <a:t>2021/10/13</a:t>
             </a:fld>
             <a:endParaRPr kumimoji="1" lang="ja-JP" altLang="en-US"/>
           </a:p>
@@ -2573,7 +2578,7 @@
           <a:p>
             <a:fld id="{4A556EAE-DB5F-254D-A7F4-56574AE01A82}" type="datetimeFigureOut">
               <a:rPr kumimoji="1" lang="ja-JP" altLang="en-US" smtClean="0"/>
-              <a:t>2021/10/11</a:t>
+              <a:t>2021/10/13</a:t>
             </a:fld>
             <a:endParaRPr kumimoji="1" lang="ja-JP" altLang="en-US"/>
           </a:p>
@@ -2686,7 +2691,7 @@
           <a:p>
             <a:fld id="{4A556EAE-DB5F-254D-A7F4-56574AE01A82}" type="datetimeFigureOut">
               <a:rPr kumimoji="1" lang="ja-JP" altLang="en-US" smtClean="0"/>
-              <a:t>2021/10/11</a:t>
+              <a:t>2021/10/13</a:t>
             </a:fld>
             <a:endParaRPr kumimoji="1" lang="ja-JP" altLang="en-US"/>
           </a:p>
@@ -3029,7 +3034,7 @@
           <a:p>
             <a:fld id="{4A556EAE-DB5F-254D-A7F4-56574AE01A82}" type="datetimeFigureOut">
               <a:rPr kumimoji="1" lang="ja-JP" altLang="en-US" smtClean="0"/>
-              <a:t>2021/10/11</a:t>
+              <a:t>2021/10/13</a:t>
             </a:fld>
             <a:endParaRPr kumimoji="1" lang="ja-JP" altLang="en-US"/>
           </a:p>
@@ -3317,7 +3322,7 @@
           <a:p>
             <a:fld id="{4A556EAE-DB5F-254D-A7F4-56574AE01A82}" type="datetimeFigureOut">
               <a:rPr kumimoji="1" lang="ja-JP" altLang="en-US" smtClean="0"/>
-              <a:t>2021/10/11</a:t>
+              <a:t>2021/10/13</a:t>
             </a:fld>
             <a:endParaRPr kumimoji="1" lang="ja-JP" altLang="en-US"/>
           </a:p>
@@ -3590,7 +3595,7 @@
           <a:p>
             <a:fld id="{4A556EAE-DB5F-254D-A7F4-56574AE01A82}" type="datetimeFigureOut">
               <a:rPr kumimoji="1" lang="ja-JP" altLang="en-US" smtClean="0"/>
-              <a:t>2021/10/11</a:t>
+              <a:t>2021/10/13</a:t>
             </a:fld>
             <a:endParaRPr kumimoji="1" lang="ja-JP" altLang="en-US"/>
           </a:p>
@@ -4007,12 +4012,71 @@
           <a:chExt cx="0" cy="0"/>
         </a:xfrm>
       </p:grpSpPr>
+      <p:pic>
+        <p:nvPicPr>
+          <p:cNvPr id="3" name="図 2">
+            <a:extLst>
+              <a:ext uri="{FF2B5EF4-FFF2-40B4-BE49-F238E27FC236}">
+                <a16:creationId xmlns:a16="http://schemas.microsoft.com/office/drawing/2014/main" id="{2CE1D90F-EF3C-0D4B-9E1B-EA4594CD2097}"/>
+              </a:ext>
+            </a:extLst>
+          </p:cNvPr>
+          <p:cNvPicPr>
+            <a:picLocks noChangeAspect="1"/>
+          </p:cNvPicPr>
+          <p:nvPr/>
+        </p:nvPicPr>
+        <p:blipFill rotWithShape="1">
+          <a:blip r:embed="rId2"/>
+          <a:srcRect b="37372"/>
+          <a:stretch/>
+        </p:blipFill>
+        <p:spPr>
+          <a:xfrm>
+            <a:off x="1517650" y="869950"/>
+            <a:ext cx="9156700" cy="3205339"/>
+          </a:xfrm>
+          <a:prstGeom prst="rect">
+            <a:avLst/>
+          </a:prstGeom>
+        </p:spPr>
+      </p:pic>
+    </p:spTree>
+    <p:extLst>
+      <p:ext uri="{BB962C8B-B14F-4D97-AF65-F5344CB8AC3E}">
+        <p14:creationId xmlns:p14="http://schemas.microsoft.com/office/powerpoint/2010/main" val="1414116573"/>
+      </p:ext>
+    </p:extLst>
+  </p:cSld>
+  <p:clrMapOvr>
+    <a:masterClrMapping/>
+  </p:clrMapOvr>
+</p:sld>
+</file>
+
+<file path=ppt/slides/slide10.xml><?xml version="1.0" encoding="utf-8"?>
+<p:sld xmlns:a="http://schemas.openxmlformats.org/drawingml/2006/main" xmlns:r="http://schemas.openxmlformats.org/officeDocument/2006/relationships" xmlns:p="http://schemas.openxmlformats.org/presentationml/2006/main">
+  <p:cSld>
+    <p:spTree>
+      <p:nvGrpSpPr>
+        <p:cNvPr id="1" name=""/>
+        <p:cNvGrpSpPr/>
+        <p:nvPr/>
+      </p:nvGrpSpPr>
+      <p:grpSpPr>
+        <a:xfrm>
+          <a:off x="0" y="0"/>
+          <a:ext cx="0" cy="0"/>
+          <a:chOff x="0" y="0"/>
+          <a:chExt cx="0" cy="0"/>
+        </a:xfrm>
+      </p:grpSpPr>
       <p:grpSp>
         <p:nvGrpSpPr>
-          <p:cNvPr id="13" name="グループ化 12">
-            <a:extLst>
-              <a:ext uri="{FF2B5EF4-FFF2-40B4-BE49-F238E27FC236}">
-                <a16:creationId xmlns:a16="http://schemas.microsoft.com/office/drawing/2014/main" id="{08CB6B0A-5404-F14F-B260-0B5AE1FB6F4D}"/>
+          <p:cNvPr id="14" name="グループ化 13">
+            <a:extLst>
+              <a:ext uri="{FF2B5EF4-FFF2-40B4-BE49-F238E27FC236}">
+                <a16:creationId xmlns:a16="http://schemas.microsoft.com/office/drawing/2014/main" id="{C93C3BD7-6D75-3F44-A58C-D710D2A80D17}"/>
               </a:ext>
             </a:extLst>
           </p:cNvPr>
@@ -4021,18 +4085,70 @@
         </p:nvGrpSpPr>
         <p:grpSpPr>
           <a:xfrm>
-            <a:off x="1251857" y="887037"/>
-            <a:ext cx="6447663" cy="5048443"/>
-            <a:chOff x="1251857" y="887037"/>
-            <a:chExt cx="6447663" cy="5048443"/>
+            <a:off x="63500" y="409243"/>
+            <a:ext cx="10841567" cy="6240908"/>
+            <a:chOff x="63500" y="409243"/>
+            <a:chExt cx="10841567" cy="6240908"/>
           </a:xfrm>
         </p:grpSpPr>
+        <p:sp>
+          <p:nvSpPr>
+            <p:cNvPr id="8" name="正方形/長方形 7">
+              <a:extLst>
+                <a:ext uri="{FF2B5EF4-FFF2-40B4-BE49-F238E27FC236}">
+                  <a16:creationId xmlns:a16="http://schemas.microsoft.com/office/drawing/2014/main" id="{EA8C5292-FBDA-1E41-B46C-7483DF89B495}"/>
+                </a:ext>
+              </a:extLst>
+            </p:cNvPr>
+            <p:cNvSpPr/>
+            <p:nvPr/>
+          </p:nvSpPr>
+          <p:spPr>
+            <a:xfrm>
+              <a:off x="7823199" y="2929481"/>
+              <a:ext cx="3081867" cy="3720670"/>
+            </a:xfrm>
+            <a:prstGeom prst="rect">
+              <a:avLst/>
+            </a:prstGeom>
+            <a:solidFill>
+              <a:schemeClr val="bg1"/>
+            </a:solidFill>
+            <a:ln>
+              <a:noFill/>
+            </a:ln>
+          </p:spPr>
+          <p:style>
+            <a:lnRef idx="2">
+              <a:schemeClr val="accent1">
+                <a:shade val="50000"/>
+              </a:schemeClr>
+            </a:lnRef>
+            <a:fillRef idx="1">
+              <a:schemeClr val="accent1"/>
+            </a:fillRef>
+            <a:effectRef idx="0">
+              <a:schemeClr val="accent1"/>
+            </a:effectRef>
+            <a:fontRef idx="minor">
+              <a:schemeClr val="lt1"/>
+            </a:fontRef>
+          </p:style>
+          <p:txBody>
+            <a:bodyPr rtlCol="0" anchor="ctr"/>
+            <a:lstStyle/>
+            <a:p>
+              <a:pPr algn="ctr"/>
+              <a:endParaRPr kumimoji="1" lang="ja-JP" altLang="en-US"/>
+            </a:p>
+          </p:txBody>
+        </p:sp>
         <p:pic>
           <p:nvPicPr>
             <p:cNvPr id="3" name="図 2">
               <a:extLst>
                 <a:ext uri="{FF2B5EF4-FFF2-40B4-BE49-F238E27FC236}">
-                  <a16:creationId xmlns:a16="http://schemas.microsoft.com/office/drawing/2014/main" id="{E99AE3C3-30AA-064B-BA72-DDD6A6885216}"/>
+                  <a16:creationId xmlns:a16="http://schemas.microsoft.com/office/drawing/2014/main" id="{E8425FF8-3C85-FD46-87EA-1EF4380B593F}"/>
                 </a:ext>
               </a:extLst>
             </p:cNvPr>
@@ -4049,8 +4165,530 @@
           </p:blipFill>
           <p:spPr>
             <a:xfrm>
-              <a:off x="1251857" y="887037"/>
-              <a:ext cx="6447663" cy="5048443"/>
+              <a:off x="63500" y="409243"/>
+              <a:ext cx="10841567" cy="2520238"/>
+            </a:xfrm>
+            <a:prstGeom prst="rect">
+              <a:avLst/>
+            </a:prstGeom>
+          </p:spPr>
+        </p:pic>
+        <p:pic>
+          <p:nvPicPr>
+            <p:cNvPr id="5" name="図 4">
+              <a:extLst>
+                <a:ext uri="{FF2B5EF4-FFF2-40B4-BE49-F238E27FC236}">
+                  <a16:creationId xmlns:a16="http://schemas.microsoft.com/office/drawing/2014/main" id="{8256E66B-401F-7E4C-9586-A4515B5DD6D0}"/>
+                </a:ext>
+              </a:extLst>
+            </p:cNvPr>
+            <p:cNvPicPr>
+              <a:picLocks noChangeAspect="1"/>
+            </p:cNvPicPr>
+            <p:nvPr/>
+          </p:nvPicPr>
+          <p:blipFill>
+            <a:blip r:embed="rId3"/>
+            <a:stretch>
+              <a:fillRect/>
+            </a:stretch>
+          </p:blipFill>
+          <p:spPr>
+            <a:xfrm>
+              <a:off x="8164790" y="3239146"/>
+              <a:ext cx="2190389" cy="1591224"/>
+            </a:xfrm>
+            <a:prstGeom prst="rect">
+              <a:avLst/>
+            </a:prstGeom>
+          </p:spPr>
+        </p:pic>
+        <p:pic>
+          <p:nvPicPr>
+            <p:cNvPr id="7" name="図 6">
+              <a:extLst>
+                <a:ext uri="{FF2B5EF4-FFF2-40B4-BE49-F238E27FC236}">
+                  <a16:creationId xmlns:a16="http://schemas.microsoft.com/office/drawing/2014/main" id="{C7FA7A88-2489-264A-9E7E-67AA516E9180}"/>
+                </a:ext>
+              </a:extLst>
+            </p:cNvPr>
+            <p:cNvPicPr>
+              <a:picLocks noChangeAspect="1"/>
+            </p:cNvPicPr>
+            <p:nvPr/>
+          </p:nvPicPr>
+          <p:blipFill>
+            <a:blip r:embed="rId4"/>
+            <a:stretch>
+              <a:fillRect/>
+            </a:stretch>
+          </p:blipFill>
+          <p:spPr>
+            <a:xfrm>
+              <a:off x="8164791" y="5147328"/>
+              <a:ext cx="2190389" cy="1502823"/>
+            </a:xfrm>
+            <a:prstGeom prst="rect">
+              <a:avLst/>
+            </a:prstGeom>
+          </p:spPr>
+        </p:pic>
+        <p:sp>
+          <p:nvSpPr>
+            <p:cNvPr id="9" name="下矢印 8">
+              <a:extLst>
+                <a:ext uri="{FF2B5EF4-FFF2-40B4-BE49-F238E27FC236}">
+                  <a16:creationId xmlns:a16="http://schemas.microsoft.com/office/drawing/2014/main" id="{61C9C258-3BC6-5B48-B115-A3CA3578100C}"/>
+                </a:ext>
+              </a:extLst>
+            </p:cNvPr>
+            <p:cNvSpPr/>
+            <p:nvPr/>
+          </p:nvSpPr>
+          <p:spPr>
+            <a:xfrm>
+              <a:off x="9039850" y="2692726"/>
+              <a:ext cx="440267" cy="562180"/>
+            </a:xfrm>
+            <a:prstGeom prst="downArrow">
+              <a:avLst/>
+            </a:prstGeom>
+          </p:spPr>
+          <p:style>
+            <a:lnRef idx="2">
+              <a:schemeClr val="accent1">
+                <a:shade val="50000"/>
+              </a:schemeClr>
+            </a:lnRef>
+            <a:fillRef idx="1">
+              <a:schemeClr val="accent1"/>
+            </a:fillRef>
+            <a:effectRef idx="0">
+              <a:schemeClr val="accent1"/>
+            </a:effectRef>
+            <a:fontRef idx="minor">
+              <a:schemeClr val="lt1"/>
+            </a:fontRef>
+          </p:style>
+          <p:txBody>
+            <a:bodyPr rtlCol="0" anchor="ctr"/>
+            <a:lstStyle/>
+            <a:p>
+              <a:pPr algn="ctr"/>
+              <a:endParaRPr kumimoji="1" lang="ja-JP" altLang="en-US"/>
+            </a:p>
+          </p:txBody>
+        </p:sp>
+        <p:sp>
+          <p:nvSpPr>
+            <p:cNvPr id="10" name="下矢印 9">
+              <a:extLst>
+                <a:ext uri="{FF2B5EF4-FFF2-40B4-BE49-F238E27FC236}">
+                  <a16:creationId xmlns:a16="http://schemas.microsoft.com/office/drawing/2014/main" id="{DF80139B-489A-6C42-BF79-0E8BBA476EDC}"/>
+                </a:ext>
+              </a:extLst>
+            </p:cNvPr>
+            <p:cNvSpPr/>
+            <p:nvPr/>
+          </p:nvSpPr>
+          <p:spPr>
+            <a:xfrm>
+              <a:off x="9039850" y="4763932"/>
+              <a:ext cx="440267" cy="399156"/>
+            </a:xfrm>
+            <a:prstGeom prst="downArrow">
+              <a:avLst/>
+            </a:prstGeom>
+          </p:spPr>
+          <p:style>
+            <a:lnRef idx="2">
+              <a:schemeClr val="accent1">
+                <a:shade val="50000"/>
+              </a:schemeClr>
+            </a:lnRef>
+            <a:fillRef idx="1">
+              <a:schemeClr val="accent1"/>
+            </a:fillRef>
+            <a:effectRef idx="0">
+              <a:schemeClr val="accent1"/>
+            </a:effectRef>
+            <a:fontRef idx="minor">
+              <a:schemeClr val="lt1"/>
+            </a:fontRef>
+          </p:style>
+          <p:txBody>
+            <a:bodyPr rtlCol="0" anchor="ctr"/>
+            <a:lstStyle/>
+            <a:p>
+              <a:pPr algn="ctr"/>
+              <a:endParaRPr kumimoji="1" lang="ja-JP" altLang="en-US"/>
+            </a:p>
+          </p:txBody>
+        </p:sp>
+        <p:sp>
+          <p:nvSpPr>
+            <p:cNvPr id="11" name="正方形/長方形 10">
+              <a:extLst>
+                <a:ext uri="{FF2B5EF4-FFF2-40B4-BE49-F238E27FC236}">
+                  <a16:creationId xmlns:a16="http://schemas.microsoft.com/office/drawing/2014/main" id="{84F14D12-E9AC-5D47-88C2-90A5FF8CE085}"/>
+                </a:ext>
+              </a:extLst>
+            </p:cNvPr>
+            <p:cNvSpPr/>
+            <p:nvPr/>
+          </p:nvSpPr>
+          <p:spPr>
+            <a:xfrm>
+              <a:off x="8506368" y="1947800"/>
+              <a:ext cx="1450432" cy="454336"/>
+            </a:xfrm>
+            <a:prstGeom prst="rect">
+              <a:avLst/>
+            </a:prstGeom>
+            <a:noFill/>
+            <a:ln w="28575">
+              <a:solidFill>
+                <a:srgbClr val="FF40FF"/>
+              </a:solidFill>
+            </a:ln>
+          </p:spPr>
+          <p:style>
+            <a:lnRef idx="2">
+              <a:schemeClr val="accent1">
+                <a:shade val="50000"/>
+              </a:schemeClr>
+            </a:lnRef>
+            <a:fillRef idx="1">
+              <a:schemeClr val="accent1"/>
+            </a:fillRef>
+            <a:effectRef idx="0">
+              <a:schemeClr val="accent1"/>
+            </a:effectRef>
+            <a:fontRef idx="minor">
+              <a:schemeClr val="lt1"/>
+            </a:fontRef>
+          </p:style>
+          <p:txBody>
+            <a:bodyPr rtlCol="0" anchor="ctr"/>
+            <a:lstStyle/>
+            <a:p>
+              <a:pPr algn="ctr"/>
+              <a:endParaRPr kumimoji="1" lang="ja-JP" altLang="en-US"/>
+            </a:p>
+          </p:txBody>
+        </p:sp>
+        <p:sp>
+          <p:nvSpPr>
+            <p:cNvPr id="12" name="正方形/長方形 11">
+              <a:extLst>
+                <a:ext uri="{FF2B5EF4-FFF2-40B4-BE49-F238E27FC236}">
+                  <a16:creationId xmlns:a16="http://schemas.microsoft.com/office/drawing/2014/main" id="{A4CAE016-ADBD-214E-84C9-987AB273DE32}"/>
+                </a:ext>
+              </a:extLst>
+            </p:cNvPr>
+            <p:cNvSpPr/>
+            <p:nvPr/>
+          </p:nvSpPr>
+          <p:spPr>
+            <a:xfrm>
+              <a:off x="8638916" y="3545496"/>
+              <a:ext cx="1450432" cy="454336"/>
+            </a:xfrm>
+            <a:prstGeom prst="rect">
+              <a:avLst/>
+            </a:prstGeom>
+            <a:noFill/>
+            <a:ln w="28575">
+              <a:solidFill>
+                <a:srgbClr val="FF40FF"/>
+              </a:solidFill>
+            </a:ln>
+          </p:spPr>
+          <p:style>
+            <a:lnRef idx="2">
+              <a:schemeClr val="accent1">
+                <a:shade val="50000"/>
+              </a:schemeClr>
+            </a:lnRef>
+            <a:fillRef idx="1">
+              <a:schemeClr val="accent1"/>
+            </a:fillRef>
+            <a:effectRef idx="0">
+              <a:schemeClr val="accent1"/>
+            </a:effectRef>
+            <a:fontRef idx="minor">
+              <a:schemeClr val="lt1"/>
+            </a:fontRef>
+          </p:style>
+          <p:txBody>
+            <a:bodyPr rtlCol="0" anchor="ctr"/>
+            <a:lstStyle/>
+            <a:p>
+              <a:pPr algn="ctr"/>
+              <a:endParaRPr kumimoji="1" lang="ja-JP" altLang="en-US"/>
+            </a:p>
+          </p:txBody>
+        </p:sp>
+        <p:sp>
+          <p:nvSpPr>
+            <p:cNvPr id="13" name="正方形/長方形 12">
+              <a:extLst>
+                <a:ext uri="{FF2B5EF4-FFF2-40B4-BE49-F238E27FC236}">
+                  <a16:creationId xmlns:a16="http://schemas.microsoft.com/office/drawing/2014/main" id="{E41DC69B-AF6E-C047-B698-B6FE2B62D669}"/>
+                </a:ext>
+              </a:extLst>
+            </p:cNvPr>
+            <p:cNvSpPr/>
+            <p:nvPr/>
+          </p:nvSpPr>
+          <p:spPr>
+            <a:xfrm>
+              <a:off x="8638916" y="5346732"/>
+              <a:ext cx="1450432" cy="580455"/>
+            </a:xfrm>
+            <a:prstGeom prst="rect">
+              <a:avLst/>
+            </a:prstGeom>
+            <a:noFill/>
+            <a:ln w="28575">
+              <a:solidFill>
+                <a:srgbClr val="FF40FF"/>
+              </a:solidFill>
+            </a:ln>
+          </p:spPr>
+          <p:style>
+            <a:lnRef idx="2">
+              <a:schemeClr val="accent1">
+                <a:shade val="50000"/>
+              </a:schemeClr>
+            </a:lnRef>
+            <a:fillRef idx="1">
+              <a:schemeClr val="accent1"/>
+            </a:fillRef>
+            <a:effectRef idx="0">
+              <a:schemeClr val="accent1"/>
+            </a:effectRef>
+            <a:fontRef idx="minor">
+              <a:schemeClr val="lt1"/>
+            </a:fontRef>
+          </p:style>
+          <p:txBody>
+            <a:bodyPr rtlCol="0" anchor="ctr"/>
+            <a:lstStyle/>
+            <a:p>
+              <a:pPr algn="ctr"/>
+              <a:endParaRPr kumimoji="1" lang="ja-JP" altLang="en-US"/>
+            </a:p>
+          </p:txBody>
+        </p:sp>
+      </p:grpSp>
+    </p:spTree>
+    <p:extLst>
+      <p:ext uri="{BB962C8B-B14F-4D97-AF65-F5344CB8AC3E}">
+        <p14:creationId xmlns:p14="http://schemas.microsoft.com/office/powerpoint/2010/main" val="554281326"/>
+      </p:ext>
+    </p:extLst>
+  </p:cSld>
+  <p:clrMapOvr>
+    <a:masterClrMapping/>
+  </p:clrMapOvr>
+</p:sld>
+</file>
+
+<file path=ppt/slides/slide11.xml><?xml version="1.0" encoding="utf-8"?>
+<p:sld xmlns:a="http://schemas.openxmlformats.org/drawingml/2006/main" xmlns:r="http://schemas.openxmlformats.org/officeDocument/2006/relationships" xmlns:p="http://schemas.openxmlformats.org/presentationml/2006/main">
+  <p:cSld>
+    <p:spTree>
+      <p:nvGrpSpPr>
+        <p:cNvPr id="1" name=""/>
+        <p:cNvGrpSpPr/>
+        <p:nvPr/>
+      </p:nvGrpSpPr>
+      <p:grpSpPr>
+        <a:xfrm>
+          <a:off x="0" y="0"/>
+          <a:ext cx="0" cy="0"/>
+          <a:chOff x="0" y="0"/>
+          <a:chExt cx="0" cy="0"/>
+        </a:xfrm>
+      </p:grpSpPr>
+      <p:grpSp>
+        <p:nvGrpSpPr>
+          <p:cNvPr id="5" name="グループ化 4">
+            <a:extLst>
+              <a:ext uri="{FF2B5EF4-FFF2-40B4-BE49-F238E27FC236}">
+                <a16:creationId xmlns:a16="http://schemas.microsoft.com/office/drawing/2014/main" id="{553A1D1F-D2E7-264E-951A-544346341619}"/>
+              </a:ext>
+            </a:extLst>
+          </p:cNvPr>
+          <p:cNvGrpSpPr/>
+          <p:nvPr/>
+        </p:nvGrpSpPr>
+        <p:grpSpPr>
+          <a:xfrm>
+            <a:off x="3171369" y="722477"/>
+            <a:ext cx="5849261" cy="5413045"/>
+            <a:chOff x="3171369" y="722477"/>
+            <a:chExt cx="5849261" cy="5413045"/>
+          </a:xfrm>
+        </p:grpSpPr>
+        <p:pic>
+          <p:nvPicPr>
+            <p:cNvPr id="3" name="図 2">
+              <a:extLst>
+                <a:ext uri="{FF2B5EF4-FFF2-40B4-BE49-F238E27FC236}">
+                  <a16:creationId xmlns:a16="http://schemas.microsoft.com/office/drawing/2014/main" id="{A468B62E-658D-FD4A-967A-C3953CBCB773}"/>
+                </a:ext>
+              </a:extLst>
+            </p:cNvPr>
+            <p:cNvPicPr>
+              <a:picLocks noChangeAspect="1"/>
+            </p:cNvPicPr>
+            <p:nvPr/>
+          </p:nvPicPr>
+          <p:blipFill>
+            <a:blip r:embed="rId2"/>
+            <a:stretch>
+              <a:fillRect/>
+            </a:stretch>
+          </p:blipFill>
+          <p:spPr>
+            <a:xfrm>
+              <a:off x="3171369" y="722477"/>
+              <a:ext cx="5849261" cy="5413045"/>
+            </a:xfrm>
+            <a:prstGeom prst="rect">
+              <a:avLst/>
+            </a:prstGeom>
+          </p:spPr>
+        </p:pic>
+        <p:sp>
+          <p:nvSpPr>
+            <p:cNvPr id="4" name="正方形/長方形 3">
+              <a:extLst>
+                <a:ext uri="{FF2B5EF4-FFF2-40B4-BE49-F238E27FC236}">
+                  <a16:creationId xmlns:a16="http://schemas.microsoft.com/office/drawing/2014/main" id="{047156A6-4B09-6C45-95F8-9A7DA12E917E}"/>
+                </a:ext>
+              </a:extLst>
+            </p:cNvPr>
+            <p:cNvSpPr/>
+            <p:nvPr/>
+          </p:nvSpPr>
+          <p:spPr>
+            <a:xfrm>
+              <a:off x="3671804" y="2953488"/>
+              <a:ext cx="5167395" cy="3182034"/>
+            </a:xfrm>
+            <a:prstGeom prst="rect">
+              <a:avLst/>
+            </a:prstGeom>
+            <a:noFill/>
+            <a:ln w="28575">
+              <a:solidFill>
+                <a:srgbClr val="FF40FF"/>
+              </a:solidFill>
+            </a:ln>
+          </p:spPr>
+          <p:style>
+            <a:lnRef idx="2">
+              <a:schemeClr val="accent1">
+                <a:shade val="50000"/>
+              </a:schemeClr>
+            </a:lnRef>
+            <a:fillRef idx="1">
+              <a:schemeClr val="accent1"/>
+            </a:fillRef>
+            <a:effectRef idx="0">
+              <a:schemeClr val="accent1"/>
+            </a:effectRef>
+            <a:fontRef idx="minor">
+              <a:schemeClr val="lt1"/>
+            </a:fontRef>
+          </p:style>
+          <p:txBody>
+            <a:bodyPr rtlCol="0" anchor="ctr"/>
+            <a:lstStyle/>
+            <a:p>
+              <a:pPr algn="ctr"/>
+              <a:endParaRPr kumimoji="1" lang="ja-JP" altLang="en-US"/>
+            </a:p>
+          </p:txBody>
+        </p:sp>
+      </p:grpSp>
+    </p:spTree>
+    <p:extLst>
+      <p:ext uri="{BB962C8B-B14F-4D97-AF65-F5344CB8AC3E}">
+        <p14:creationId xmlns:p14="http://schemas.microsoft.com/office/powerpoint/2010/main" val="3282401287"/>
+      </p:ext>
+    </p:extLst>
+  </p:cSld>
+  <p:clrMapOvr>
+    <a:masterClrMapping/>
+  </p:clrMapOvr>
+</p:sld>
+</file>
+
+<file path=ppt/slides/slide12.xml><?xml version="1.0" encoding="utf-8"?>
+<p:sld xmlns:a="http://schemas.openxmlformats.org/drawingml/2006/main" xmlns:r="http://schemas.openxmlformats.org/officeDocument/2006/relationships" xmlns:p="http://schemas.openxmlformats.org/presentationml/2006/main">
+  <p:cSld>
+    <p:spTree>
+      <p:nvGrpSpPr>
+        <p:cNvPr id="1" name=""/>
+        <p:cNvGrpSpPr/>
+        <p:nvPr/>
+      </p:nvGrpSpPr>
+      <p:grpSpPr>
+        <a:xfrm>
+          <a:off x="0" y="0"/>
+          <a:ext cx="0" cy="0"/>
+          <a:chOff x="0" y="0"/>
+          <a:chExt cx="0" cy="0"/>
+        </a:xfrm>
+      </p:grpSpPr>
+      <p:grpSp>
+        <p:nvGrpSpPr>
+          <p:cNvPr id="7" name="グループ化 6">
+            <a:extLst>
+              <a:ext uri="{FF2B5EF4-FFF2-40B4-BE49-F238E27FC236}">
+                <a16:creationId xmlns:a16="http://schemas.microsoft.com/office/drawing/2014/main" id="{3E9BC707-79B3-8340-AEA4-7B75A49669C7}"/>
+              </a:ext>
+            </a:extLst>
+          </p:cNvPr>
+          <p:cNvGrpSpPr/>
+          <p:nvPr/>
+        </p:nvGrpSpPr>
+        <p:grpSpPr>
+          <a:xfrm>
+            <a:off x="875654" y="1860668"/>
+            <a:ext cx="10440692" cy="3619870"/>
+            <a:chOff x="875654" y="1860668"/>
+            <a:chExt cx="10440692" cy="3619870"/>
+          </a:xfrm>
+        </p:grpSpPr>
+        <p:pic>
+          <p:nvPicPr>
+            <p:cNvPr id="4" name="図 3">
+              <a:extLst>
+                <a:ext uri="{FF2B5EF4-FFF2-40B4-BE49-F238E27FC236}">
+                  <a16:creationId xmlns:a16="http://schemas.microsoft.com/office/drawing/2014/main" id="{82831DF2-ACC8-8D41-A57F-7E08B4C23337}"/>
+                </a:ext>
+              </a:extLst>
+            </p:cNvPr>
+            <p:cNvPicPr>
+              <a:picLocks noChangeAspect="1"/>
+            </p:cNvPicPr>
+            <p:nvPr/>
+          </p:nvPicPr>
+          <p:blipFill>
+            <a:blip r:embed="rId2"/>
+            <a:stretch>
+              <a:fillRect/>
+            </a:stretch>
+          </p:blipFill>
+          <p:spPr>
+            <a:xfrm>
+              <a:off x="875654" y="1860668"/>
+              <a:ext cx="10440692" cy="3619870"/>
             </a:xfrm>
             <a:prstGeom prst="rect">
               <a:avLst/>
@@ -4062,7 +4700,7 @@
             <p:cNvPr id="5" name="正方形/長方形 4">
               <a:extLst>
                 <a:ext uri="{FF2B5EF4-FFF2-40B4-BE49-F238E27FC236}">
-                  <a16:creationId xmlns:a16="http://schemas.microsoft.com/office/drawing/2014/main" id="{6E36D559-381D-494C-887E-9E71A4D0AA5C}"/>
+                  <a16:creationId xmlns:a16="http://schemas.microsoft.com/office/drawing/2014/main" id="{0335A8E1-C2C9-7444-9A1F-93525CA67AD9}"/>
                 </a:ext>
               </a:extLst>
             </p:cNvPr>
@@ -4071,8 +4709,8 @@
           </p:nvSpPr>
           <p:spPr>
             <a:xfrm>
-              <a:off x="1444737" y="4024993"/>
-              <a:ext cx="945357" cy="285750"/>
+              <a:off x="9180782" y="3138772"/>
+              <a:ext cx="1450432" cy="580455"/>
             </a:xfrm>
             <a:prstGeom prst="rect">
               <a:avLst/>
@@ -4114,7 +4752,7 @@
             <p:cNvPr id="6" name="正方形/長方形 5">
               <a:extLst>
                 <a:ext uri="{FF2B5EF4-FFF2-40B4-BE49-F238E27FC236}">
-                  <a16:creationId xmlns:a16="http://schemas.microsoft.com/office/drawing/2014/main" id="{0F5155CD-F1CF-A140-84B0-FBBFC8EE516A}"/>
+                  <a16:creationId xmlns:a16="http://schemas.microsoft.com/office/drawing/2014/main" id="{9B02BA68-0EF2-B94F-9923-3B1AC8051897}"/>
                 </a:ext>
               </a:extLst>
             </p:cNvPr>
@@ -4123,8 +4761,586 @@
           </p:nvSpPr>
           <p:spPr>
             <a:xfrm>
-              <a:off x="5164930" y="3024188"/>
-              <a:ext cx="1278733" cy="404811"/>
+              <a:off x="1007627" y="4900083"/>
+              <a:ext cx="809884" cy="580455"/>
+            </a:xfrm>
+            <a:prstGeom prst="rect">
+              <a:avLst/>
+            </a:prstGeom>
+            <a:noFill/>
+            <a:ln w="28575">
+              <a:solidFill>
+                <a:srgbClr val="FF40FF"/>
+              </a:solidFill>
+            </a:ln>
+          </p:spPr>
+          <p:style>
+            <a:lnRef idx="2">
+              <a:schemeClr val="accent1">
+                <a:shade val="50000"/>
+              </a:schemeClr>
+            </a:lnRef>
+            <a:fillRef idx="1">
+              <a:schemeClr val="accent1"/>
+            </a:fillRef>
+            <a:effectRef idx="0">
+              <a:schemeClr val="accent1"/>
+            </a:effectRef>
+            <a:fontRef idx="minor">
+              <a:schemeClr val="lt1"/>
+            </a:fontRef>
+          </p:style>
+          <p:txBody>
+            <a:bodyPr rtlCol="0" anchor="ctr"/>
+            <a:lstStyle/>
+            <a:p>
+              <a:pPr algn="ctr"/>
+              <a:endParaRPr kumimoji="1" lang="ja-JP" altLang="en-US"/>
+            </a:p>
+          </p:txBody>
+        </p:sp>
+      </p:grpSp>
+    </p:spTree>
+    <p:extLst>
+      <p:ext uri="{BB962C8B-B14F-4D97-AF65-F5344CB8AC3E}">
+        <p14:creationId xmlns:p14="http://schemas.microsoft.com/office/powerpoint/2010/main" val="2634481376"/>
+      </p:ext>
+    </p:extLst>
+  </p:cSld>
+  <p:clrMapOvr>
+    <a:masterClrMapping/>
+  </p:clrMapOvr>
+</p:sld>
+</file>
+
+<file path=ppt/slides/slide13.xml><?xml version="1.0" encoding="utf-8"?>
+<p:sld xmlns:a="http://schemas.openxmlformats.org/drawingml/2006/main" xmlns:r="http://schemas.openxmlformats.org/officeDocument/2006/relationships" xmlns:p="http://schemas.openxmlformats.org/presentationml/2006/main">
+  <p:cSld>
+    <p:spTree>
+      <p:nvGrpSpPr>
+        <p:cNvPr id="1" name=""/>
+        <p:cNvGrpSpPr/>
+        <p:nvPr/>
+      </p:nvGrpSpPr>
+      <p:grpSpPr>
+        <a:xfrm>
+          <a:off x="0" y="0"/>
+          <a:ext cx="0" cy="0"/>
+          <a:chOff x="0" y="0"/>
+          <a:chExt cx="0" cy="0"/>
+        </a:xfrm>
+      </p:grpSpPr>
+      <p:grpSp>
+        <p:nvGrpSpPr>
+          <p:cNvPr id="5" name="グループ化 4">
+            <a:extLst>
+              <a:ext uri="{FF2B5EF4-FFF2-40B4-BE49-F238E27FC236}">
+                <a16:creationId xmlns:a16="http://schemas.microsoft.com/office/drawing/2014/main" id="{268539B5-1248-A941-B5C0-55E6EF5440F5}"/>
+              </a:ext>
+            </a:extLst>
+          </p:cNvPr>
+          <p:cNvGrpSpPr/>
+          <p:nvPr/>
+        </p:nvGrpSpPr>
+        <p:grpSpPr>
+          <a:xfrm>
+            <a:off x="1340603" y="1546678"/>
+            <a:ext cx="9510793" cy="4379284"/>
+            <a:chOff x="1340603" y="1546678"/>
+            <a:chExt cx="9510793" cy="4379284"/>
+          </a:xfrm>
+        </p:grpSpPr>
+        <p:pic>
+          <p:nvPicPr>
+            <p:cNvPr id="3" name="図 2">
+              <a:extLst>
+                <a:ext uri="{FF2B5EF4-FFF2-40B4-BE49-F238E27FC236}">
+                  <a16:creationId xmlns:a16="http://schemas.microsoft.com/office/drawing/2014/main" id="{76251BAB-FEE7-4740-843A-185DA1B2EFBD}"/>
+                </a:ext>
+              </a:extLst>
+            </p:cNvPr>
+            <p:cNvPicPr>
+              <a:picLocks noChangeAspect="1"/>
+            </p:cNvPicPr>
+            <p:nvPr/>
+          </p:nvPicPr>
+          <p:blipFill>
+            <a:blip r:embed="rId2"/>
+            <a:stretch>
+              <a:fillRect/>
+            </a:stretch>
+          </p:blipFill>
+          <p:spPr>
+            <a:xfrm>
+              <a:off x="1340603" y="1546678"/>
+              <a:ext cx="9510793" cy="4379284"/>
+            </a:xfrm>
+            <a:prstGeom prst="rect">
+              <a:avLst/>
+            </a:prstGeom>
+          </p:spPr>
+        </p:pic>
+        <p:sp>
+          <p:nvSpPr>
+            <p:cNvPr id="4" name="正方形/長方形 3">
+              <a:extLst>
+                <a:ext uri="{FF2B5EF4-FFF2-40B4-BE49-F238E27FC236}">
+                  <a16:creationId xmlns:a16="http://schemas.microsoft.com/office/drawing/2014/main" id="{30C48330-70B7-0F48-8B2C-A950442BF23B}"/>
+                </a:ext>
+              </a:extLst>
+            </p:cNvPr>
+            <p:cNvSpPr/>
+            <p:nvPr/>
+          </p:nvSpPr>
+          <p:spPr>
+            <a:xfrm>
+              <a:off x="9282382" y="3429000"/>
+              <a:ext cx="1385617" cy="296333"/>
+            </a:xfrm>
+            <a:prstGeom prst="rect">
+              <a:avLst/>
+            </a:prstGeom>
+            <a:noFill/>
+            <a:ln w="28575">
+              <a:solidFill>
+                <a:srgbClr val="FF40FF"/>
+              </a:solidFill>
+            </a:ln>
+          </p:spPr>
+          <p:style>
+            <a:lnRef idx="2">
+              <a:schemeClr val="accent1">
+                <a:shade val="50000"/>
+              </a:schemeClr>
+            </a:lnRef>
+            <a:fillRef idx="1">
+              <a:schemeClr val="accent1"/>
+            </a:fillRef>
+            <a:effectRef idx="0">
+              <a:schemeClr val="accent1"/>
+            </a:effectRef>
+            <a:fontRef idx="minor">
+              <a:schemeClr val="lt1"/>
+            </a:fontRef>
+          </p:style>
+          <p:txBody>
+            <a:bodyPr rtlCol="0" anchor="ctr"/>
+            <a:lstStyle/>
+            <a:p>
+              <a:pPr algn="ctr"/>
+              <a:endParaRPr kumimoji="1" lang="ja-JP" altLang="en-US"/>
+            </a:p>
+          </p:txBody>
+        </p:sp>
+      </p:grpSp>
+    </p:spTree>
+    <p:extLst>
+      <p:ext uri="{BB962C8B-B14F-4D97-AF65-F5344CB8AC3E}">
+        <p14:creationId xmlns:p14="http://schemas.microsoft.com/office/powerpoint/2010/main" val="3513675489"/>
+      </p:ext>
+    </p:extLst>
+  </p:cSld>
+  <p:clrMapOvr>
+    <a:masterClrMapping/>
+  </p:clrMapOvr>
+</p:sld>
+</file>
+
+<file path=ppt/slides/slide14.xml><?xml version="1.0" encoding="utf-8"?>
+<p:sld xmlns:a="http://schemas.openxmlformats.org/drawingml/2006/main" xmlns:r="http://schemas.openxmlformats.org/officeDocument/2006/relationships" xmlns:p="http://schemas.openxmlformats.org/presentationml/2006/main">
+  <p:cSld>
+    <p:spTree>
+      <p:nvGrpSpPr>
+        <p:cNvPr id="1" name=""/>
+        <p:cNvGrpSpPr/>
+        <p:nvPr/>
+      </p:nvGrpSpPr>
+      <p:grpSpPr>
+        <a:xfrm>
+          <a:off x="0" y="0"/>
+          <a:ext cx="0" cy="0"/>
+          <a:chOff x="0" y="0"/>
+          <a:chExt cx="0" cy="0"/>
+        </a:xfrm>
+      </p:grpSpPr>
+      <p:pic>
+        <p:nvPicPr>
+          <p:cNvPr id="4" name="図 3">
+            <a:extLst>
+              <a:ext uri="{FF2B5EF4-FFF2-40B4-BE49-F238E27FC236}">
+                <a16:creationId xmlns:a16="http://schemas.microsoft.com/office/drawing/2014/main" id="{A6B6F77D-6407-CD4D-B403-E548B6DB3DC3}"/>
+              </a:ext>
+            </a:extLst>
+          </p:cNvPr>
+          <p:cNvPicPr>
+            <a:picLocks noChangeAspect="1"/>
+          </p:cNvPicPr>
+          <p:nvPr/>
+        </p:nvPicPr>
+        <p:blipFill>
+          <a:blip r:embed="rId2"/>
+          <a:stretch>
+            <a:fillRect/>
+          </a:stretch>
+        </p:blipFill>
+        <p:spPr>
+          <a:xfrm>
+            <a:off x="1573078" y="1382370"/>
+            <a:ext cx="9045844" cy="4660194"/>
+          </a:xfrm>
+          <a:prstGeom prst="rect">
+            <a:avLst/>
+          </a:prstGeom>
+        </p:spPr>
+      </p:pic>
+    </p:spTree>
+    <p:extLst>
+      <p:ext uri="{BB962C8B-B14F-4D97-AF65-F5344CB8AC3E}">
+        <p14:creationId xmlns:p14="http://schemas.microsoft.com/office/powerpoint/2010/main" val="2390879227"/>
+      </p:ext>
+    </p:extLst>
+  </p:cSld>
+  <p:clrMapOvr>
+    <a:masterClrMapping/>
+  </p:clrMapOvr>
+</p:sld>
+</file>
+
+<file path=ppt/slides/slide15.xml><?xml version="1.0" encoding="utf-8"?>
+<p:sld xmlns:a="http://schemas.openxmlformats.org/drawingml/2006/main" xmlns:r="http://schemas.openxmlformats.org/officeDocument/2006/relationships" xmlns:p="http://schemas.openxmlformats.org/presentationml/2006/main">
+  <p:cSld>
+    <p:spTree>
+      <p:nvGrpSpPr>
+        <p:cNvPr id="1" name=""/>
+        <p:cNvGrpSpPr/>
+        <p:nvPr/>
+      </p:nvGrpSpPr>
+      <p:grpSpPr>
+        <a:xfrm>
+          <a:off x="0" y="0"/>
+          <a:ext cx="0" cy="0"/>
+          <a:chOff x="0" y="0"/>
+          <a:chExt cx="0" cy="0"/>
+        </a:xfrm>
+      </p:grpSpPr>
+      <p:grpSp>
+        <p:nvGrpSpPr>
+          <p:cNvPr id="8" name="グループ化 7">
+            <a:extLst>
+              <a:ext uri="{FF2B5EF4-FFF2-40B4-BE49-F238E27FC236}">
+                <a16:creationId xmlns:a16="http://schemas.microsoft.com/office/drawing/2014/main" id="{BE6FA73C-11DE-DF40-A3F5-89F732C6DDA6}"/>
+              </a:ext>
+            </a:extLst>
+          </p:cNvPr>
+          <p:cNvGrpSpPr/>
+          <p:nvPr/>
+        </p:nvGrpSpPr>
+        <p:grpSpPr>
+          <a:xfrm>
+            <a:off x="3111500" y="1727200"/>
+            <a:ext cx="5969000" cy="3403600"/>
+            <a:chOff x="3111500" y="1727200"/>
+            <a:chExt cx="5969000" cy="3403600"/>
+          </a:xfrm>
+        </p:grpSpPr>
+        <p:grpSp>
+          <p:nvGrpSpPr>
+            <p:cNvPr id="6" name="グループ化 5">
+              <a:extLst>
+                <a:ext uri="{FF2B5EF4-FFF2-40B4-BE49-F238E27FC236}">
+                  <a16:creationId xmlns:a16="http://schemas.microsoft.com/office/drawing/2014/main" id="{669CC97D-DE94-0548-9915-95A176C24A50}"/>
+                </a:ext>
+              </a:extLst>
+            </p:cNvPr>
+            <p:cNvGrpSpPr/>
+            <p:nvPr/>
+          </p:nvGrpSpPr>
+          <p:grpSpPr>
+            <a:xfrm>
+              <a:off x="3111500" y="1727200"/>
+              <a:ext cx="5969000" cy="3403600"/>
+              <a:chOff x="3111500" y="1727200"/>
+              <a:chExt cx="5969000" cy="3403600"/>
+            </a:xfrm>
+          </p:grpSpPr>
+          <p:pic>
+            <p:nvPicPr>
+              <p:cNvPr id="4" name="図 3">
+                <a:extLst>
+                  <a:ext uri="{FF2B5EF4-FFF2-40B4-BE49-F238E27FC236}">
+                    <a16:creationId xmlns:a16="http://schemas.microsoft.com/office/drawing/2014/main" id="{35F34468-924C-CB41-984B-51E85C9DCE3A}"/>
+                  </a:ext>
+                </a:extLst>
+              </p:cNvPr>
+              <p:cNvPicPr>
+                <a:picLocks noChangeAspect="1"/>
+              </p:cNvPicPr>
+              <p:nvPr/>
+            </p:nvPicPr>
+            <p:blipFill>
+              <a:blip r:embed="rId2"/>
+              <a:stretch>
+                <a:fillRect/>
+              </a:stretch>
+            </p:blipFill>
+            <p:spPr>
+              <a:xfrm>
+                <a:off x="3111500" y="1727200"/>
+                <a:ext cx="5969000" cy="3403600"/>
+              </a:xfrm>
+              <a:prstGeom prst="rect">
+                <a:avLst/>
+              </a:prstGeom>
+            </p:spPr>
+          </p:pic>
+          <p:sp>
+            <p:nvSpPr>
+              <p:cNvPr id="5" name="正方形/長方形 4">
+                <a:extLst>
+                  <a:ext uri="{FF2B5EF4-FFF2-40B4-BE49-F238E27FC236}">
+                    <a16:creationId xmlns:a16="http://schemas.microsoft.com/office/drawing/2014/main" id="{7F734EEF-6492-3C43-BCB6-15BDD523F2A0}"/>
+                  </a:ext>
+                </a:extLst>
+              </p:cNvPr>
+              <p:cNvSpPr/>
+              <p:nvPr/>
+            </p:nvSpPr>
+            <p:spPr>
+              <a:xfrm>
+                <a:off x="5136444" y="2856089"/>
+                <a:ext cx="711200" cy="124178"/>
+              </a:xfrm>
+              <a:prstGeom prst="rect">
+                <a:avLst/>
+              </a:prstGeom>
+              <a:solidFill>
+                <a:schemeClr val="bg1"/>
+              </a:solidFill>
+            </p:spPr>
+            <p:style>
+              <a:lnRef idx="2">
+                <a:schemeClr val="accent1">
+                  <a:shade val="50000"/>
+                </a:schemeClr>
+              </a:lnRef>
+              <a:fillRef idx="1">
+                <a:schemeClr val="accent1"/>
+              </a:fillRef>
+              <a:effectRef idx="0">
+                <a:schemeClr val="accent1"/>
+              </a:effectRef>
+              <a:fontRef idx="minor">
+                <a:schemeClr val="lt1"/>
+              </a:fontRef>
+            </p:style>
+            <p:txBody>
+              <a:bodyPr rtlCol="0" anchor="ctr"/>
+              <a:lstStyle/>
+              <a:p>
+                <a:pPr algn="ctr"/>
+                <a:endParaRPr kumimoji="1" lang="ja-JP" altLang="en-US"/>
+              </a:p>
+            </p:txBody>
+          </p:sp>
+        </p:grpSp>
+        <p:sp>
+          <p:nvSpPr>
+            <p:cNvPr id="7" name="正方形/長方形 6">
+              <a:extLst>
+                <a:ext uri="{FF2B5EF4-FFF2-40B4-BE49-F238E27FC236}">
+                  <a16:creationId xmlns:a16="http://schemas.microsoft.com/office/drawing/2014/main" id="{0DC83F96-E41E-574C-AA5F-4AC2D21F3A19}"/>
+                </a:ext>
+              </a:extLst>
+            </p:cNvPr>
+            <p:cNvSpPr/>
+            <p:nvPr/>
+          </p:nvSpPr>
+          <p:spPr>
+            <a:xfrm>
+              <a:off x="3167944" y="4588933"/>
+              <a:ext cx="711200" cy="400755"/>
+            </a:xfrm>
+            <a:prstGeom prst="rect">
+              <a:avLst/>
+            </a:prstGeom>
+            <a:solidFill>
+              <a:schemeClr val="bg1"/>
+            </a:solidFill>
+          </p:spPr>
+          <p:style>
+            <a:lnRef idx="2">
+              <a:schemeClr val="accent1">
+                <a:shade val="50000"/>
+              </a:schemeClr>
+            </a:lnRef>
+            <a:fillRef idx="1">
+              <a:schemeClr val="accent1"/>
+            </a:fillRef>
+            <a:effectRef idx="0">
+              <a:schemeClr val="accent1"/>
+            </a:effectRef>
+            <a:fontRef idx="minor">
+              <a:schemeClr val="lt1"/>
+            </a:fontRef>
+          </p:style>
+          <p:txBody>
+            <a:bodyPr rtlCol="0" anchor="ctr"/>
+            <a:lstStyle/>
+            <a:p>
+              <a:pPr algn="ctr"/>
+              <a:endParaRPr kumimoji="1" lang="ja-JP" altLang="en-US"/>
+            </a:p>
+          </p:txBody>
+        </p:sp>
+      </p:grpSp>
+    </p:spTree>
+    <p:extLst>
+      <p:ext uri="{BB962C8B-B14F-4D97-AF65-F5344CB8AC3E}">
+        <p14:creationId xmlns:p14="http://schemas.microsoft.com/office/powerpoint/2010/main" val="3127250564"/>
+      </p:ext>
+    </p:extLst>
+  </p:cSld>
+  <p:clrMapOvr>
+    <a:masterClrMapping/>
+  </p:clrMapOvr>
+</p:sld>
+</file>
+
+<file path=ppt/slides/slide2.xml><?xml version="1.0" encoding="utf-8"?>
+<p:sld xmlns:a="http://schemas.openxmlformats.org/drawingml/2006/main" xmlns:r="http://schemas.openxmlformats.org/officeDocument/2006/relationships" xmlns:p="http://schemas.openxmlformats.org/presentationml/2006/main">
+  <p:cSld>
+    <p:spTree>
+      <p:nvGrpSpPr>
+        <p:cNvPr id="1" name=""/>
+        <p:cNvGrpSpPr/>
+        <p:nvPr/>
+      </p:nvGrpSpPr>
+      <p:grpSpPr>
+        <a:xfrm>
+          <a:off x="0" y="0"/>
+          <a:ext cx="0" cy="0"/>
+          <a:chOff x="0" y="0"/>
+          <a:chExt cx="0" cy="0"/>
+        </a:xfrm>
+      </p:grpSpPr>
+      <p:grpSp>
+        <p:nvGrpSpPr>
+          <p:cNvPr id="8" name="グループ化 7">
+            <a:extLst>
+              <a:ext uri="{FF2B5EF4-FFF2-40B4-BE49-F238E27FC236}">
+                <a16:creationId xmlns:a16="http://schemas.microsoft.com/office/drawing/2014/main" id="{EBD5B9F0-BFA7-164F-B8EA-127628400DF5}"/>
+              </a:ext>
+            </a:extLst>
+          </p:cNvPr>
+          <p:cNvGrpSpPr/>
+          <p:nvPr/>
+        </p:nvGrpSpPr>
+        <p:grpSpPr>
+          <a:xfrm>
+            <a:off x="2216150" y="635000"/>
+            <a:ext cx="7759700" cy="5588000"/>
+            <a:chOff x="2216150" y="635000"/>
+            <a:chExt cx="7759700" cy="5588000"/>
+          </a:xfrm>
+        </p:grpSpPr>
+        <p:pic>
+          <p:nvPicPr>
+            <p:cNvPr id="4" name="図 3">
+              <a:extLst>
+                <a:ext uri="{FF2B5EF4-FFF2-40B4-BE49-F238E27FC236}">
+                  <a16:creationId xmlns:a16="http://schemas.microsoft.com/office/drawing/2014/main" id="{EB637395-71E0-C546-A612-99904839D3CA}"/>
+                </a:ext>
+              </a:extLst>
+            </p:cNvPr>
+            <p:cNvPicPr>
+              <a:picLocks noChangeAspect="1"/>
+            </p:cNvPicPr>
+            <p:nvPr/>
+          </p:nvPicPr>
+          <p:blipFill>
+            <a:blip r:embed="rId2"/>
+            <a:stretch>
+              <a:fillRect/>
+            </a:stretch>
+          </p:blipFill>
+          <p:spPr>
+            <a:xfrm>
+              <a:off x="2216150" y="635000"/>
+              <a:ext cx="7759700" cy="5588000"/>
+            </a:xfrm>
+            <a:prstGeom prst="rect">
+              <a:avLst/>
+            </a:prstGeom>
+          </p:spPr>
+        </p:pic>
+        <p:sp>
+          <p:nvSpPr>
+            <p:cNvPr id="5" name="正方形/長方形 4">
+              <a:extLst>
+                <a:ext uri="{FF2B5EF4-FFF2-40B4-BE49-F238E27FC236}">
+                  <a16:creationId xmlns:a16="http://schemas.microsoft.com/office/drawing/2014/main" id="{95086B6F-3FA2-7B48-AC01-1172D93BF87C}"/>
+                </a:ext>
+              </a:extLst>
+            </p:cNvPr>
+            <p:cNvSpPr/>
+            <p:nvPr/>
+          </p:nvSpPr>
+          <p:spPr>
+            <a:xfrm>
+              <a:off x="2216150" y="3206044"/>
+              <a:ext cx="945357" cy="222956"/>
+            </a:xfrm>
+            <a:prstGeom prst="rect">
+              <a:avLst/>
+            </a:prstGeom>
+            <a:noFill/>
+            <a:ln w="28575">
+              <a:solidFill>
+                <a:srgbClr val="FF40FF"/>
+              </a:solidFill>
+            </a:ln>
+          </p:spPr>
+          <p:style>
+            <a:lnRef idx="2">
+              <a:schemeClr val="accent1">
+                <a:shade val="50000"/>
+              </a:schemeClr>
+            </a:lnRef>
+            <a:fillRef idx="1">
+              <a:schemeClr val="accent1"/>
+            </a:fillRef>
+            <a:effectRef idx="0">
+              <a:schemeClr val="accent1"/>
+            </a:effectRef>
+            <a:fontRef idx="minor">
+              <a:schemeClr val="lt1"/>
+            </a:fontRef>
+          </p:style>
+          <p:txBody>
+            <a:bodyPr rtlCol="0" anchor="ctr"/>
+            <a:lstStyle/>
+            <a:p>
+              <a:pPr algn="ctr"/>
+              <a:endParaRPr kumimoji="1" lang="ja-JP" altLang="en-US"/>
+            </a:p>
+          </p:txBody>
+        </p:sp>
+        <p:sp>
+          <p:nvSpPr>
+            <p:cNvPr id="6" name="正方形/長方形 5">
+              <a:extLst>
+                <a:ext uri="{FF2B5EF4-FFF2-40B4-BE49-F238E27FC236}">
+                  <a16:creationId xmlns:a16="http://schemas.microsoft.com/office/drawing/2014/main" id="{5D99A664-EFC4-D24E-91A0-CE9209E03317}"/>
+                </a:ext>
+              </a:extLst>
+            </p:cNvPr>
+            <p:cNvSpPr/>
+            <p:nvPr/>
+          </p:nvSpPr>
+          <p:spPr>
+            <a:xfrm>
+              <a:off x="2216150" y="5888566"/>
+              <a:ext cx="945357" cy="222956"/>
             </a:xfrm>
             <a:prstGeom prst="rect">
               <a:avLst/>
@@ -4166,7 +5382,7 @@
             <p:cNvPr id="7" name="正方形/長方形 6">
               <a:extLst>
                 <a:ext uri="{FF2B5EF4-FFF2-40B4-BE49-F238E27FC236}">
-                  <a16:creationId xmlns:a16="http://schemas.microsoft.com/office/drawing/2014/main" id="{6CB1DFF3-10A4-9C48-9E53-317A78C3592A}"/>
+                  <a16:creationId xmlns:a16="http://schemas.microsoft.com/office/drawing/2014/main" id="{BC773DC9-5CB0-0E46-8EFC-530EBD298C29}"/>
                 </a:ext>
               </a:extLst>
             </p:cNvPr>
@@ -4175,336 +5391,8 @@
           </p:nvSpPr>
           <p:spPr>
             <a:xfrm>
-              <a:off x="5199458" y="3635149"/>
-              <a:ext cx="1793083" cy="1666194"/>
-            </a:xfrm>
-            <a:prstGeom prst="rect">
-              <a:avLst/>
-            </a:prstGeom>
-            <a:noFill/>
-            <a:ln w="28575">
-              <a:solidFill>
-                <a:srgbClr val="FF40FF"/>
-              </a:solidFill>
-            </a:ln>
-          </p:spPr>
-          <p:style>
-            <a:lnRef idx="2">
-              <a:schemeClr val="accent1">
-                <a:shade val="50000"/>
-              </a:schemeClr>
-            </a:lnRef>
-            <a:fillRef idx="1">
-              <a:schemeClr val="accent1"/>
-            </a:fillRef>
-            <a:effectRef idx="0">
-              <a:schemeClr val="accent1"/>
-            </a:effectRef>
-            <a:fontRef idx="minor">
-              <a:schemeClr val="lt1"/>
-            </a:fontRef>
-          </p:style>
-          <p:txBody>
-            <a:bodyPr rtlCol="0" anchor="ctr"/>
-            <a:lstStyle/>
-            <a:p>
-              <a:pPr algn="ctr"/>
-              <a:endParaRPr kumimoji="1" lang="ja-JP" altLang="en-US"/>
-            </a:p>
-          </p:txBody>
-        </p:sp>
-        <p:sp>
-          <p:nvSpPr>
-            <p:cNvPr id="9" name="テキスト ボックス 8">
-              <a:extLst>
-                <a:ext uri="{FF2B5EF4-FFF2-40B4-BE49-F238E27FC236}">
-                  <a16:creationId xmlns:a16="http://schemas.microsoft.com/office/drawing/2014/main" id="{70CC8423-B765-A64A-BB52-FFBFB8158817}"/>
-                </a:ext>
-              </a:extLst>
-            </p:cNvPr>
-            <p:cNvSpPr txBox="1"/>
-            <p:nvPr/>
-          </p:nvSpPr>
-          <p:spPr>
-            <a:xfrm>
-              <a:off x="2434149" y="3941411"/>
-              <a:ext cx="414337" cy="369332"/>
-            </a:xfrm>
-            <a:prstGeom prst="rect">
-              <a:avLst/>
-            </a:prstGeom>
-            <a:solidFill>
-              <a:schemeClr val="bg1"/>
-            </a:solidFill>
-          </p:spPr>
-          <p:txBody>
-            <a:bodyPr wrap="square" rtlCol="0" anchor="ctr">
-              <a:spAutoFit/>
-            </a:bodyPr>
-            <a:lstStyle/>
-            <a:p>
-              <a:pPr algn="ctr"/>
-              <a:r>
-                <a:rPr lang="en-US" altLang="ja-JP" dirty="0">
-                  <a:latin typeface="IBM Plex Sans JP" panose="020B0503050203000203" pitchFamily="34" charset="-128"/>
-                  <a:ea typeface="IBM Plex Sans JP" panose="020B0503050203000203" pitchFamily="34" charset="-128"/>
-                </a:rPr>
-                <a:t>①</a:t>
-              </a:r>
-              <a:endParaRPr kumimoji="1" lang="ja-JP" altLang="en-US">
-                <a:latin typeface="IBM Plex Sans JP" panose="020B0503050203000203" pitchFamily="34" charset="-128"/>
-                <a:ea typeface="IBM Plex Sans JP" panose="020B0503050203000203" pitchFamily="34" charset="-128"/>
-              </a:endParaRPr>
-            </a:p>
-          </p:txBody>
-        </p:sp>
-        <p:sp>
-          <p:nvSpPr>
-            <p:cNvPr id="10" name="テキスト ボックス 9">
-              <a:extLst>
-                <a:ext uri="{FF2B5EF4-FFF2-40B4-BE49-F238E27FC236}">
-                  <a16:creationId xmlns:a16="http://schemas.microsoft.com/office/drawing/2014/main" id="{80373446-EEF4-A44D-868D-10E0564138E9}"/>
-                </a:ext>
-              </a:extLst>
-            </p:cNvPr>
-            <p:cNvSpPr txBox="1"/>
-            <p:nvPr/>
-          </p:nvSpPr>
-          <p:spPr>
-            <a:xfrm>
-              <a:off x="4741067" y="3041927"/>
-              <a:ext cx="414337" cy="369332"/>
-            </a:xfrm>
-            <a:prstGeom prst="rect">
-              <a:avLst/>
-            </a:prstGeom>
-            <a:solidFill>
-              <a:schemeClr val="bg1"/>
-            </a:solidFill>
-          </p:spPr>
-          <p:txBody>
-            <a:bodyPr wrap="square" rtlCol="0" anchor="ctr">
-              <a:spAutoFit/>
-            </a:bodyPr>
-            <a:lstStyle/>
-            <a:p>
-              <a:pPr algn="ctr"/>
-              <a:r>
-                <a:rPr lang="ja-JP" altLang="en-US">
-                  <a:latin typeface="IBM Plex Sans JP" panose="020B0503050203000203" pitchFamily="34" charset="-128"/>
-                  <a:ea typeface="IBM Plex Sans JP" panose="020B0503050203000203" pitchFamily="34" charset="-128"/>
-                </a:rPr>
-                <a:t>②</a:t>
-              </a:r>
-              <a:endParaRPr kumimoji="1" lang="ja-JP" altLang="en-US">
-                <a:latin typeface="IBM Plex Sans JP" panose="020B0503050203000203" pitchFamily="34" charset="-128"/>
-                <a:ea typeface="IBM Plex Sans JP" panose="020B0503050203000203" pitchFamily="34" charset="-128"/>
-              </a:endParaRPr>
-            </a:p>
-          </p:txBody>
-        </p:sp>
-        <p:sp>
-          <p:nvSpPr>
-            <p:cNvPr id="11" name="テキスト ボックス 10">
-              <a:extLst>
-                <a:ext uri="{FF2B5EF4-FFF2-40B4-BE49-F238E27FC236}">
-                  <a16:creationId xmlns:a16="http://schemas.microsoft.com/office/drawing/2014/main" id="{D2BF41DC-1955-0E4E-B19F-3D183F262580}"/>
-                </a:ext>
-              </a:extLst>
-            </p:cNvPr>
-            <p:cNvSpPr txBox="1"/>
-            <p:nvPr/>
-          </p:nvSpPr>
-          <p:spPr>
-            <a:xfrm>
-              <a:off x="4741066" y="3548063"/>
-              <a:ext cx="414337" cy="369332"/>
-            </a:xfrm>
-            <a:prstGeom prst="rect">
-              <a:avLst/>
-            </a:prstGeom>
-            <a:solidFill>
-              <a:schemeClr val="bg1"/>
-            </a:solidFill>
-          </p:spPr>
-          <p:txBody>
-            <a:bodyPr wrap="square" rtlCol="0" anchor="ctr">
-              <a:spAutoFit/>
-            </a:bodyPr>
-            <a:lstStyle/>
-            <a:p>
-              <a:pPr algn="ctr"/>
-              <a:r>
-                <a:rPr lang="ja-JP" altLang="en-US">
-                  <a:latin typeface="IBM Plex Sans JP" panose="020B0503050203000203" pitchFamily="34" charset="-128"/>
-                  <a:ea typeface="IBM Plex Sans JP" panose="020B0503050203000203" pitchFamily="34" charset="-128"/>
-                </a:rPr>
-                <a:t>③</a:t>
-              </a:r>
-              <a:endParaRPr kumimoji="1" lang="ja-JP" altLang="en-US">
-                <a:latin typeface="IBM Plex Sans JP" panose="020B0503050203000203" pitchFamily="34" charset="-128"/>
-                <a:ea typeface="IBM Plex Sans JP" panose="020B0503050203000203" pitchFamily="34" charset="-128"/>
-              </a:endParaRPr>
-            </a:p>
-          </p:txBody>
-        </p:sp>
-      </p:grpSp>
-    </p:spTree>
-    <p:extLst>
-      <p:ext uri="{BB962C8B-B14F-4D97-AF65-F5344CB8AC3E}">
-        <p14:creationId xmlns:p14="http://schemas.microsoft.com/office/powerpoint/2010/main" val="3100917251"/>
-      </p:ext>
-    </p:extLst>
-  </p:cSld>
-  <p:clrMapOvr>
-    <a:masterClrMapping/>
-  </p:clrMapOvr>
-</p:sld>
-</file>
-
-<file path=ppt/slides/slide10.xml><?xml version="1.0" encoding="utf-8"?>
-<p:sld xmlns:a="http://schemas.openxmlformats.org/drawingml/2006/main" xmlns:r="http://schemas.openxmlformats.org/officeDocument/2006/relationships" xmlns:p="http://schemas.openxmlformats.org/presentationml/2006/main">
-  <p:cSld>
-    <p:spTree>
-      <p:nvGrpSpPr>
-        <p:cNvPr id="1" name=""/>
-        <p:cNvGrpSpPr/>
-        <p:nvPr/>
-      </p:nvGrpSpPr>
-      <p:grpSpPr>
-        <a:xfrm>
-          <a:off x="0" y="0"/>
-          <a:ext cx="0" cy="0"/>
-          <a:chOff x="0" y="0"/>
-          <a:chExt cx="0" cy="0"/>
-        </a:xfrm>
-      </p:grpSpPr>
-      <p:pic>
-        <p:nvPicPr>
-          <p:cNvPr id="4" name="図 3">
-            <a:extLst>
-              <a:ext uri="{FF2B5EF4-FFF2-40B4-BE49-F238E27FC236}">
-                <a16:creationId xmlns:a16="http://schemas.microsoft.com/office/drawing/2014/main" id="{E01AC0B7-C175-5742-9802-CF2AAB093BCA}"/>
-              </a:ext>
-            </a:extLst>
-          </p:cNvPr>
-          <p:cNvPicPr>
-            <a:picLocks noChangeAspect="1"/>
-          </p:cNvPicPr>
-          <p:nvPr/>
-        </p:nvPicPr>
-        <p:blipFill>
-          <a:blip r:embed="rId2"/>
-          <a:stretch>
-            <a:fillRect/>
-          </a:stretch>
-        </p:blipFill>
-        <p:spPr>
-          <a:xfrm>
-            <a:off x="1290916" y="605962"/>
-            <a:ext cx="9308395" cy="5646076"/>
-          </a:xfrm>
-          <a:prstGeom prst="rect">
-            <a:avLst/>
-          </a:prstGeom>
-        </p:spPr>
-      </p:pic>
-    </p:spTree>
-    <p:extLst>
-      <p:ext uri="{BB962C8B-B14F-4D97-AF65-F5344CB8AC3E}">
-        <p14:creationId xmlns:p14="http://schemas.microsoft.com/office/powerpoint/2010/main" val="1374840514"/>
-      </p:ext>
-    </p:extLst>
-  </p:cSld>
-  <p:clrMapOvr>
-    <a:masterClrMapping/>
-  </p:clrMapOvr>
-</p:sld>
-</file>
-
-<file path=ppt/slides/slide2.xml><?xml version="1.0" encoding="utf-8"?>
-<p:sld xmlns:a="http://schemas.openxmlformats.org/drawingml/2006/main" xmlns:r="http://schemas.openxmlformats.org/officeDocument/2006/relationships" xmlns:p="http://schemas.openxmlformats.org/presentationml/2006/main">
-  <p:cSld>
-    <p:spTree>
-      <p:nvGrpSpPr>
-        <p:cNvPr id="1" name=""/>
-        <p:cNvGrpSpPr/>
-        <p:nvPr/>
-      </p:nvGrpSpPr>
-      <p:grpSpPr>
-        <a:xfrm>
-          <a:off x="0" y="0"/>
-          <a:ext cx="0" cy="0"/>
-          <a:chOff x="0" y="0"/>
-          <a:chExt cx="0" cy="0"/>
-        </a:xfrm>
-      </p:grpSpPr>
-      <p:grpSp>
-        <p:nvGrpSpPr>
-          <p:cNvPr id="7" name="グループ化 6">
-            <a:extLst>
-              <a:ext uri="{FF2B5EF4-FFF2-40B4-BE49-F238E27FC236}">
-                <a16:creationId xmlns:a16="http://schemas.microsoft.com/office/drawing/2014/main" id="{81D2CA81-F273-E249-91FB-ECAEA2942F8B}"/>
-              </a:ext>
-            </a:extLst>
-          </p:cNvPr>
-          <p:cNvGrpSpPr/>
-          <p:nvPr/>
-        </p:nvGrpSpPr>
-        <p:grpSpPr>
-          <a:xfrm>
-            <a:off x="3232569" y="1196434"/>
-            <a:ext cx="5921281" cy="5345880"/>
-            <a:chOff x="3232569" y="1196434"/>
-            <a:chExt cx="5921281" cy="5345880"/>
-          </a:xfrm>
-        </p:grpSpPr>
-        <p:pic>
-          <p:nvPicPr>
-            <p:cNvPr id="4" name="図 3">
-              <a:extLst>
-                <a:ext uri="{FF2B5EF4-FFF2-40B4-BE49-F238E27FC236}">
-                  <a16:creationId xmlns:a16="http://schemas.microsoft.com/office/drawing/2014/main" id="{CB0065AA-4CE4-5A45-92AD-AB175696BBF2}"/>
-                </a:ext>
-              </a:extLst>
-            </p:cNvPr>
-            <p:cNvPicPr>
-              <a:picLocks noChangeAspect="1"/>
-            </p:cNvPicPr>
-            <p:nvPr/>
-          </p:nvPicPr>
-          <p:blipFill>
-            <a:blip r:embed="rId2"/>
-            <a:stretch>
-              <a:fillRect/>
-            </a:stretch>
-          </p:blipFill>
-          <p:spPr>
-            <a:xfrm>
-              <a:off x="3232569" y="1196434"/>
-              <a:ext cx="5921281" cy="5345880"/>
-            </a:xfrm>
-            <a:prstGeom prst="rect">
-              <a:avLst/>
-            </a:prstGeom>
-          </p:spPr>
-        </p:pic>
-        <p:sp>
-          <p:nvSpPr>
-            <p:cNvPr id="5" name="正方形/長方形 4">
-              <a:extLst>
-                <a:ext uri="{FF2B5EF4-FFF2-40B4-BE49-F238E27FC236}">
-                  <a16:creationId xmlns:a16="http://schemas.microsoft.com/office/drawing/2014/main" id="{702E6DCC-A24D-7D49-8BB2-1C78751045E7}"/>
-                </a:ext>
-              </a:extLst>
-            </p:cNvPr>
-            <p:cNvSpPr/>
-            <p:nvPr/>
-          </p:nvSpPr>
-          <p:spPr>
-            <a:xfrm>
-              <a:off x="3319655" y="1855285"/>
-              <a:ext cx="945357" cy="285750"/>
+              <a:off x="5668477" y="2620432"/>
+              <a:ext cx="2132145" cy="2459567"/>
             </a:xfrm>
             <a:prstGeom prst="rect">
               <a:avLst/>
@@ -4545,7 +5433,7 @@
     </p:spTree>
     <p:extLst>
       <p:ext uri="{BB962C8B-B14F-4D97-AF65-F5344CB8AC3E}">
-        <p14:creationId xmlns:p14="http://schemas.microsoft.com/office/powerpoint/2010/main" val="1414116573"/>
+        <p14:creationId xmlns:p14="http://schemas.microsoft.com/office/powerpoint/2010/main" val="2353527897"/>
       </p:ext>
     </p:extLst>
   </p:cSld>
@@ -4577,7 +5465,7 @@
           <p:cNvPr id="7" name="グループ化 6">
             <a:extLst>
               <a:ext uri="{FF2B5EF4-FFF2-40B4-BE49-F238E27FC236}">
-                <a16:creationId xmlns:a16="http://schemas.microsoft.com/office/drawing/2014/main" id="{B3C9CABB-7CED-CD49-9C68-043D5BD50A46}"/>
+                <a16:creationId xmlns:a16="http://schemas.microsoft.com/office/drawing/2014/main" id="{FE947F62-77D0-3F42-A2B6-AF93ACE32EC0}"/>
               </a:ext>
             </a:extLst>
           </p:cNvPr>
@@ -4586,18 +5474,18 @@
         </p:nvGrpSpPr>
         <p:grpSpPr>
           <a:xfrm>
-            <a:off x="1862942" y="1556656"/>
-            <a:ext cx="5580735" cy="4310743"/>
-            <a:chOff x="1862942" y="1556656"/>
-            <a:chExt cx="5580735" cy="4310743"/>
+            <a:off x="2216150" y="647700"/>
+            <a:ext cx="7759700" cy="5562600"/>
+            <a:chOff x="2216150" y="647700"/>
+            <a:chExt cx="7759700" cy="5562600"/>
           </a:xfrm>
         </p:grpSpPr>
         <p:pic>
           <p:nvPicPr>
-            <p:cNvPr id="3" name="図 2">
+            <p:cNvPr id="5" name="図 4">
               <a:extLst>
                 <a:ext uri="{FF2B5EF4-FFF2-40B4-BE49-F238E27FC236}">
-                  <a16:creationId xmlns:a16="http://schemas.microsoft.com/office/drawing/2014/main" id="{AA82FF60-60E1-AD4D-A0EC-833798241F8B}"/>
+                  <a16:creationId xmlns:a16="http://schemas.microsoft.com/office/drawing/2014/main" id="{C3DC381D-6E30-4346-A70F-9CD4A1F3A820}"/>
                 </a:ext>
               </a:extLst>
             </p:cNvPr>
@@ -4614,8 +5502,8 @@
           </p:blipFill>
           <p:spPr>
             <a:xfrm>
-              <a:off x="1862942" y="1556656"/>
-              <a:ext cx="5580735" cy="4310743"/>
+              <a:off x="2216150" y="647700"/>
+              <a:ext cx="7759700" cy="5562600"/>
             </a:xfrm>
             <a:prstGeom prst="rect">
               <a:avLst/>
@@ -4624,10 +5512,10 @@
         </p:pic>
         <p:sp>
           <p:nvSpPr>
-            <p:cNvPr id="5" name="正方形/長方形 4">
+            <p:cNvPr id="6" name="正方形/長方形 5">
               <a:extLst>
                 <a:ext uri="{FF2B5EF4-FFF2-40B4-BE49-F238E27FC236}">
-                  <a16:creationId xmlns:a16="http://schemas.microsoft.com/office/drawing/2014/main" id="{5D11AADA-8851-214A-8417-F5685F8C024F}"/>
+                  <a16:creationId xmlns:a16="http://schemas.microsoft.com/office/drawing/2014/main" id="{B4C24AB3-0100-9745-9915-4EDDA5242AA8}"/>
                 </a:ext>
               </a:extLst>
             </p:cNvPr>
@@ -4636,8 +5524,8 @@
           </p:nvSpPr>
           <p:spPr>
             <a:xfrm>
-              <a:off x="3375412" y="5468280"/>
-              <a:ext cx="839750" cy="285750"/>
+              <a:off x="3064762" y="3565829"/>
+              <a:ext cx="5955060" cy="2644471"/>
             </a:xfrm>
             <a:prstGeom prst="rect">
               <a:avLst/>
@@ -4678,7 +5566,7 @@
     </p:spTree>
     <p:extLst>
       <p:ext uri="{BB962C8B-B14F-4D97-AF65-F5344CB8AC3E}">
-        <p14:creationId xmlns:p14="http://schemas.microsoft.com/office/powerpoint/2010/main" val="4248266758"/>
+        <p14:creationId xmlns:p14="http://schemas.microsoft.com/office/powerpoint/2010/main" val="27918526"/>
       </p:ext>
     </p:extLst>
   </p:cSld>
@@ -4705,72 +5593,12 @@
           <a:chExt cx="0" cy="0"/>
         </a:xfrm>
       </p:grpSpPr>
-      <p:pic>
-        <p:nvPicPr>
-          <p:cNvPr id="4" name="図 3">
-            <a:extLst>
-              <a:ext uri="{FF2B5EF4-FFF2-40B4-BE49-F238E27FC236}">
-                <a16:creationId xmlns:a16="http://schemas.microsoft.com/office/drawing/2014/main" id="{703EE89D-E082-424A-B781-DFBE1E470B19}"/>
-              </a:ext>
-            </a:extLst>
-          </p:cNvPr>
-          <p:cNvPicPr>
-            <a:picLocks noChangeAspect="1"/>
-          </p:cNvPicPr>
-          <p:nvPr/>
-        </p:nvPicPr>
-        <p:blipFill>
-          <a:blip r:embed="rId2"/>
-          <a:stretch>
-            <a:fillRect/>
-          </a:stretch>
-        </p:blipFill>
-        <p:spPr>
-          <a:xfrm>
-            <a:off x="4152900" y="2286001"/>
-            <a:ext cx="3886200" cy="1682750"/>
-          </a:xfrm>
-          <a:prstGeom prst="rect">
-            <a:avLst/>
-          </a:prstGeom>
-        </p:spPr>
-      </p:pic>
-    </p:spTree>
-    <p:extLst>
-      <p:ext uri="{BB962C8B-B14F-4D97-AF65-F5344CB8AC3E}">
-        <p14:creationId xmlns:p14="http://schemas.microsoft.com/office/powerpoint/2010/main" val="3313620012"/>
-      </p:ext>
-    </p:extLst>
-  </p:cSld>
-  <p:clrMapOvr>
-    <a:masterClrMapping/>
-  </p:clrMapOvr>
-</p:sld>
-</file>
-
-<file path=ppt/slides/slide5.xml><?xml version="1.0" encoding="utf-8"?>
-<p:sld xmlns:a="http://schemas.openxmlformats.org/drawingml/2006/main" xmlns:r="http://schemas.openxmlformats.org/officeDocument/2006/relationships" xmlns:p="http://schemas.openxmlformats.org/presentationml/2006/main">
-  <p:cSld>
-    <p:spTree>
-      <p:nvGrpSpPr>
-        <p:cNvPr id="1" name=""/>
-        <p:cNvGrpSpPr/>
-        <p:nvPr/>
-      </p:nvGrpSpPr>
-      <p:grpSpPr>
-        <a:xfrm>
-          <a:off x="0" y="0"/>
-          <a:ext cx="0" cy="0"/>
-          <a:chOff x="0" y="0"/>
-          <a:chExt cx="0" cy="0"/>
-        </a:xfrm>
-      </p:grpSpPr>
       <p:grpSp>
         <p:nvGrpSpPr>
-          <p:cNvPr id="13" name="グループ化 12">
-            <a:extLst>
-              <a:ext uri="{FF2B5EF4-FFF2-40B4-BE49-F238E27FC236}">
-                <a16:creationId xmlns:a16="http://schemas.microsoft.com/office/drawing/2014/main" id="{3E5FEBF3-D31E-5749-A8FA-E20D0F552941}"/>
+          <p:cNvPr id="9" name="グループ化 8">
+            <a:extLst>
+              <a:ext uri="{FF2B5EF4-FFF2-40B4-BE49-F238E27FC236}">
+                <a16:creationId xmlns:a16="http://schemas.microsoft.com/office/drawing/2014/main" id="{CC5AF1E8-484E-A74D-B635-251E1D0CD314}"/>
               </a:ext>
             </a:extLst>
           </p:cNvPr>
@@ -4779,18 +5607,18 @@
         </p:nvGrpSpPr>
         <p:grpSpPr>
           <a:xfrm>
-            <a:off x="2845152" y="1849489"/>
-            <a:ext cx="7097486" cy="3587457"/>
-            <a:chOff x="2845152" y="1849489"/>
-            <a:chExt cx="7097486" cy="3587457"/>
+            <a:off x="2171700" y="1454150"/>
+            <a:ext cx="7848600" cy="3949700"/>
+            <a:chOff x="2171700" y="1454150"/>
+            <a:chExt cx="7848600" cy="3949700"/>
           </a:xfrm>
         </p:grpSpPr>
         <p:pic>
           <p:nvPicPr>
-            <p:cNvPr id="3" name="図 2">
+            <p:cNvPr id="4" name="図 3">
               <a:extLst>
                 <a:ext uri="{FF2B5EF4-FFF2-40B4-BE49-F238E27FC236}">
-                  <a16:creationId xmlns:a16="http://schemas.microsoft.com/office/drawing/2014/main" id="{53ECA8B4-4835-8E4F-A592-DBBA2C122FFB}"/>
+                  <a16:creationId xmlns:a16="http://schemas.microsoft.com/office/drawing/2014/main" id="{2EFBF452-E3FA-234F-9806-1875B0D50473}"/>
                 </a:ext>
               </a:extLst>
             </p:cNvPr>
@@ -4807,8 +5635,8 @@
           </p:blipFill>
           <p:spPr>
             <a:xfrm>
-              <a:off x="2845152" y="1849489"/>
-              <a:ext cx="7097486" cy="3587457"/>
+              <a:off x="2171700" y="1454150"/>
+              <a:ext cx="7848600" cy="3949700"/>
             </a:xfrm>
             <a:prstGeom prst="rect">
               <a:avLst/>
@@ -4817,10 +5645,10 @@
         </p:pic>
         <p:sp>
           <p:nvSpPr>
-            <p:cNvPr id="6" name="正方形/長方形 5">
+            <p:cNvPr id="5" name="正方形/長方形 4">
               <a:extLst>
                 <a:ext uri="{FF2B5EF4-FFF2-40B4-BE49-F238E27FC236}">
-                  <a16:creationId xmlns:a16="http://schemas.microsoft.com/office/drawing/2014/main" id="{DE09FC23-6FE8-CF43-9B5D-638AF2497CF6}"/>
+                  <a16:creationId xmlns:a16="http://schemas.microsoft.com/office/drawing/2014/main" id="{05F3C7F7-0E81-E042-96B4-6B301BD13641}"/>
                 </a:ext>
               </a:extLst>
             </p:cNvPr>
@@ -4829,8 +5657,60 @@
           </p:nvSpPr>
           <p:spPr>
             <a:xfrm>
-              <a:off x="2858413" y="3984121"/>
-              <a:ext cx="1049559" cy="365519"/>
+              <a:off x="4165600" y="4018844"/>
+              <a:ext cx="5854700" cy="722489"/>
+            </a:xfrm>
+            <a:prstGeom prst="rect">
+              <a:avLst/>
+            </a:prstGeom>
+            <a:solidFill>
+              <a:schemeClr val="bg1"/>
+            </a:solidFill>
+            <a:ln>
+              <a:noFill/>
+            </a:ln>
+          </p:spPr>
+          <p:style>
+            <a:lnRef idx="2">
+              <a:schemeClr val="accent1">
+                <a:shade val="50000"/>
+              </a:schemeClr>
+            </a:lnRef>
+            <a:fillRef idx="1">
+              <a:schemeClr val="accent1"/>
+            </a:fillRef>
+            <a:effectRef idx="0">
+              <a:schemeClr val="accent1"/>
+            </a:effectRef>
+            <a:fontRef idx="minor">
+              <a:schemeClr val="lt1"/>
+            </a:fontRef>
+          </p:style>
+          <p:txBody>
+            <a:bodyPr rtlCol="0" anchor="ctr"/>
+            <a:lstStyle/>
+            <a:p>
+              <a:pPr algn="ctr"/>
+              <a:endParaRPr kumimoji="1" lang="ja-JP" altLang="en-US"/>
+            </a:p>
+          </p:txBody>
+        </p:sp>
+        <p:sp>
+          <p:nvSpPr>
+            <p:cNvPr id="6" name="正方形/長方形 5">
+              <a:extLst>
+                <a:ext uri="{FF2B5EF4-FFF2-40B4-BE49-F238E27FC236}">
+                  <a16:creationId xmlns:a16="http://schemas.microsoft.com/office/drawing/2014/main" id="{6ECD3785-75D6-E74C-B927-25FA80568EDF}"/>
+                </a:ext>
+              </a:extLst>
+            </p:cNvPr>
+            <p:cNvSpPr/>
+            <p:nvPr/>
+          </p:nvSpPr>
+          <p:spPr>
+            <a:xfrm>
+              <a:off x="2171700" y="1906363"/>
+              <a:ext cx="1734256" cy="306260"/>
             </a:xfrm>
             <a:prstGeom prst="rect">
               <a:avLst/>
@@ -4869,111 +5749,10 @@
         </p:sp>
         <p:sp>
           <p:nvSpPr>
-            <p:cNvPr id="7" name="テキスト ボックス 6">
+            <p:cNvPr id="7" name="正方形/長方形 6">
               <a:extLst>
                 <a:ext uri="{FF2B5EF4-FFF2-40B4-BE49-F238E27FC236}">
-                  <a16:creationId xmlns:a16="http://schemas.microsoft.com/office/drawing/2014/main" id="{95466441-F542-454D-A887-3727E41663FD}"/>
-                </a:ext>
-              </a:extLst>
-            </p:cNvPr>
-            <p:cNvSpPr txBox="1"/>
-            <p:nvPr/>
-          </p:nvSpPr>
-          <p:spPr>
-            <a:xfrm>
-              <a:off x="4516439" y="4230197"/>
-              <a:ext cx="2252684" cy="307777"/>
-            </a:xfrm>
-            <a:prstGeom prst="rect">
-              <a:avLst/>
-            </a:prstGeom>
-            <a:noFill/>
-          </p:spPr>
-          <p:txBody>
-            <a:bodyPr wrap="square" rtlCol="0">
-              <a:spAutoFit/>
-            </a:bodyPr>
-            <a:lstStyle/>
-            <a:p>
-              <a:r>
-                <a:rPr lang="ja-JP" altLang="en-US" sz="1400">
-                  <a:latin typeface="IBM Plex Sans JP" panose="020B0503050203000203" pitchFamily="34" charset="-128"/>
-                  <a:ea typeface="IBM Plex Sans JP" panose="020B0503050203000203" pitchFamily="34" charset="-128"/>
-                </a:rPr>
-                <a:t>追加されていれば</a:t>
-              </a:r>
-              <a:r>
-                <a:rPr lang="en-US" altLang="ja-JP" sz="1400" dirty="0">
-                  <a:latin typeface="IBM Plex Sans JP" panose="020B0503050203000203" pitchFamily="34" charset="-128"/>
-                  <a:ea typeface="IBM Plex Sans JP" panose="020B0503050203000203" pitchFamily="34" charset="-128"/>
-                </a:rPr>
-                <a:t>OK</a:t>
-              </a:r>
-              <a:r>
-                <a:rPr lang="ja-JP" altLang="en-US" sz="1400">
-                  <a:latin typeface="IBM Plex Sans JP" panose="020B0503050203000203" pitchFamily="34" charset="-128"/>
-                  <a:ea typeface="IBM Plex Sans JP" panose="020B0503050203000203" pitchFamily="34" charset="-128"/>
-                </a:rPr>
-                <a:t>です。</a:t>
-              </a:r>
-              <a:endParaRPr kumimoji="1" lang="ja-JP" altLang="en-US" sz="1400">
-                <a:latin typeface="IBM Plex Sans JP" panose="020B0503050203000203" pitchFamily="34" charset="-128"/>
-                <a:ea typeface="IBM Plex Sans JP" panose="020B0503050203000203" pitchFamily="34" charset="-128"/>
-              </a:endParaRPr>
-            </a:p>
-          </p:txBody>
-        </p:sp>
-        <p:cxnSp>
-          <p:nvCxnSpPr>
-            <p:cNvPr id="8" name="直線コネクタ 7">
-              <a:extLst>
-                <a:ext uri="{FF2B5EF4-FFF2-40B4-BE49-F238E27FC236}">
-                  <a16:creationId xmlns:a16="http://schemas.microsoft.com/office/drawing/2014/main" id="{E60ED96C-76AD-D248-98AD-1CD335014709}"/>
-                </a:ext>
-              </a:extLst>
-            </p:cNvPr>
-            <p:cNvCxnSpPr>
-              <a:cxnSpLocks/>
-              <a:stCxn id="7" idx="1"/>
-              <a:endCxn id="6" idx="3"/>
-            </p:cNvCxnSpPr>
-            <p:nvPr/>
-          </p:nvCxnSpPr>
-          <p:spPr>
-            <a:xfrm flipH="1" flipV="1">
-              <a:off x="3907972" y="4166881"/>
-              <a:ext cx="608467" cy="217205"/>
-            </a:xfrm>
-            <a:prstGeom prst="line">
-              <a:avLst/>
-            </a:prstGeom>
-            <a:ln w="19050">
-              <a:solidFill>
-                <a:srgbClr val="FF40FF"/>
-              </a:solidFill>
-            </a:ln>
-          </p:spPr>
-          <p:style>
-            <a:lnRef idx="1">
-              <a:schemeClr val="accent1"/>
-            </a:lnRef>
-            <a:fillRef idx="0">
-              <a:schemeClr val="accent1"/>
-            </a:fillRef>
-            <a:effectRef idx="0">
-              <a:schemeClr val="accent1"/>
-            </a:effectRef>
-            <a:fontRef idx="minor">
-              <a:schemeClr val="tx1"/>
-            </a:fontRef>
-          </p:style>
-        </p:cxnSp>
-        <p:sp>
-          <p:nvSpPr>
-            <p:cNvPr id="9" name="正方形/長方形 8">
-              <a:extLst>
-                <a:ext uri="{FF2B5EF4-FFF2-40B4-BE49-F238E27FC236}">
-                  <a16:creationId xmlns:a16="http://schemas.microsoft.com/office/drawing/2014/main" id="{95F3B36F-820D-194F-AEA8-E2114420D660}"/>
+                  <a16:creationId xmlns:a16="http://schemas.microsoft.com/office/drawing/2014/main" id="{C80A1C29-4581-A84C-A538-872D7BD97AC5}"/>
                 </a:ext>
               </a:extLst>
             </p:cNvPr>
@@ -4982,8 +5761,60 @@
           </p:nvSpPr>
           <p:spPr>
             <a:xfrm>
-              <a:off x="2878870" y="2194036"/>
-              <a:ext cx="1518959" cy="314325"/>
+              <a:off x="2171700" y="4948719"/>
+              <a:ext cx="1734256" cy="306260"/>
+            </a:xfrm>
+            <a:prstGeom prst="rect">
+              <a:avLst/>
+            </a:prstGeom>
+            <a:noFill/>
+            <a:ln w="28575">
+              <a:solidFill>
+                <a:srgbClr val="FF40FF"/>
+              </a:solidFill>
+            </a:ln>
+          </p:spPr>
+          <p:style>
+            <a:lnRef idx="2">
+              <a:schemeClr val="accent1">
+                <a:shade val="50000"/>
+              </a:schemeClr>
+            </a:lnRef>
+            <a:fillRef idx="1">
+              <a:schemeClr val="accent1"/>
+            </a:fillRef>
+            <a:effectRef idx="0">
+              <a:schemeClr val="accent1"/>
+            </a:effectRef>
+            <a:fontRef idx="minor">
+              <a:schemeClr val="lt1"/>
+            </a:fontRef>
+          </p:style>
+          <p:txBody>
+            <a:bodyPr rtlCol="0" anchor="ctr"/>
+            <a:lstStyle/>
+            <a:p>
+              <a:pPr algn="ctr"/>
+              <a:endParaRPr kumimoji="1" lang="ja-JP" altLang="en-US"/>
+            </a:p>
+          </p:txBody>
+        </p:sp>
+        <p:sp>
+          <p:nvSpPr>
+            <p:cNvPr id="8" name="正方形/長方形 7">
+              <a:extLst>
+                <a:ext uri="{FF2B5EF4-FFF2-40B4-BE49-F238E27FC236}">
+                  <a16:creationId xmlns:a16="http://schemas.microsoft.com/office/drawing/2014/main" id="{913E77BF-9B97-7045-9182-6238106460FA}"/>
+                </a:ext>
+              </a:extLst>
+            </p:cNvPr>
+            <p:cNvSpPr/>
+            <p:nvPr/>
+          </p:nvSpPr>
+          <p:spPr>
+            <a:xfrm>
+              <a:off x="8906932" y="2277106"/>
+              <a:ext cx="1113367" cy="722489"/>
             </a:xfrm>
             <a:prstGeom prst="rect">
               <a:avLst/>
@@ -5024,7 +5855,7 @@
     </p:spTree>
     <p:extLst>
       <p:ext uri="{BB962C8B-B14F-4D97-AF65-F5344CB8AC3E}">
-        <p14:creationId xmlns:p14="http://schemas.microsoft.com/office/powerpoint/2010/main" val="2023428281"/>
+        <p14:creationId xmlns:p14="http://schemas.microsoft.com/office/powerpoint/2010/main" val="2707234719"/>
       </p:ext>
     </p:extLst>
   </p:cSld>
@@ -5034,7 +5865,7 @@
 </p:sld>
 </file>
 
-<file path=ppt/slides/slide6.xml><?xml version="1.0" encoding="utf-8"?>
+<file path=ppt/slides/slide5.xml><?xml version="1.0" encoding="utf-8"?>
 <p:sld xmlns:a="http://schemas.openxmlformats.org/drawingml/2006/main" xmlns:r="http://schemas.openxmlformats.org/officeDocument/2006/relationships" xmlns:p="http://schemas.openxmlformats.org/presentationml/2006/main">
   <p:cSld>
     <p:spTree>
@@ -5053,10 +5884,10 @@
       </p:grpSpPr>
       <p:grpSp>
         <p:nvGrpSpPr>
-          <p:cNvPr id="15" name="グループ化 14">
-            <a:extLst>
-              <a:ext uri="{FF2B5EF4-FFF2-40B4-BE49-F238E27FC236}">
-                <a16:creationId xmlns:a16="http://schemas.microsoft.com/office/drawing/2014/main" id="{41131972-46CE-8F45-AD3B-37EE689A398A}"/>
+          <p:cNvPr id="7" name="グループ化 6">
+            <a:extLst>
+              <a:ext uri="{FF2B5EF4-FFF2-40B4-BE49-F238E27FC236}">
+                <a16:creationId xmlns:a16="http://schemas.microsoft.com/office/drawing/2014/main" id="{10EB4679-C67D-994E-898D-226434570D23}"/>
               </a:ext>
             </a:extLst>
           </p:cNvPr>
@@ -5065,225 +5896,48 @@
         </p:nvGrpSpPr>
         <p:grpSpPr>
           <a:xfrm>
-            <a:off x="2574621" y="1352361"/>
-            <a:ext cx="7042757" cy="4153278"/>
-            <a:chOff x="2574621" y="1352361"/>
-            <a:chExt cx="7042757" cy="4153278"/>
+            <a:off x="2216150" y="685800"/>
+            <a:ext cx="7759700" cy="5486400"/>
+            <a:chOff x="2216150" y="685800"/>
+            <a:chExt cx="7759700" cy="5486400"/>
           </a:xfrm>
         </p:grpSpPr>
-        <p:grpSp>
-          <p:nvGrpSpPr>
-            <p:cNvPr id="5" name="グループ化 4">
+        <p:pic>
+          <p:nvPicPr>
+            <p:cNvPr id="5" name="図 4">
               <a:extLst>
                 <a:ext uri="{FF2B5EF4-FFF2-40B4-BE49-F238E27FC236}">
-                  <a16:creationId xmlns:a16="http://schemas.microsoft.com/office/drawing/2014/main" id="{4A9E1446-DA41-7546-AD42-FB24E0F122F5}"/>
+                  <a16:creationId xmlns:a16="http://schemas.microsoft.com/office/drawing/2014/main" id="{8426C79D-1C10-994B-93E3-94DC149CBDC0}"/>
                 </a:ext>
               </a:extLst>
             </p:cNvPr>
-            <p:cNvGrpSpPr/>
+            <p:cNvPicPr>
+              <a:picLocks noChangeAspect="1"/>
+            </p:cNvPicPr>
             <p:nvPr/>
-          </p:nvGrpSpPr>
-          <p:grpSpPr>
+          </p:nvPicPr>
+          <p:blipFill>
+            <a:blip r:embed="rId2"/>
+            <a:stretch>
+              <a:fillRect/>
+            </a:stretch>
+          </p:blipFill>
+          <p:spPr>
             <a:xfrm>
-              <a:off x="2574622" y="1352361"/>
-              <a:ext cx="7042756" cy="4153278"/>
-              <a:chOff x="2574622" y="1352361"/>
-              <a:chExt cx="7042756" cy="4153278"/>
+              <a:off x="2216150" y="685800"/>
+              <a:ext cx="7759700" cy="5486400"/>
             </a:xfrm>
-          </p:grpSpPr>
-          <p:pic>
-            <p:nvPicPr>
-              <p:cNvPr id="4" name="図 3">
-                <a:extLst>
-                  <a:ext uri="{FF2B5EF4-FFF2-40B4-BE49-F238E27FC236}">
-                    <a16:creationId xmlns:a16="http://schemas.microsoft.com/office/drawing/2014/main" id="{325434EC-D1A1-A543-9FE1-891175375217}"/>
-                  </a:ext>
-                </a:extLst>
-              </p:cNvPr>
-              <p:cNvPicPr>
-                <a:picLocks noChangeAspect="1"/>
-              </p:cNvPicPr>
-              <p:nvPr/>
-            </p:nvPicPr>
-            <p:blipFill>
-              <a:blip r:embed="rId2"/>
-              <a:stretch>
-                <a:fillRect/>
-              </a:stretch>
-            </p:blipFill>
-            <p:spPr>
-              <a:xfrm>
-                <a:off x="2574622" y="1352361"/>
-                <a:ext cx="7042756" cy="4153278"/>
-              </a:xfrm>
-              <a:prstGeom prst="rect">
-                <a:avLst/>
-              </a:prstGeom>
-            </p:spPr>
-          </p:pic>
-          <p:sp>
-            <p:nvSpPr>
-              <p:cNvPr id="10" name="正方形/長方形 9">
-                <a:extLst>
-                  <a:ext uri="{FF2B5EF4-FFF2-40B4-BE49-F238E27FC236}">
-                    <a16:creationId xmlns:a16="http://schemas.microsoft.com/office/drawing/2014/main" id="{CC72A48F-581F-8245-ADD7-863485107C0E}"/>
-                  </a:ext>
-                </a:extLst>
-              </p:cNvPr>
-              <p:cNvSpPr/>
-              <p:nvPr/>
-            </p:nvSpPr>
-            <p:spPr>
-              <a:xfrm>
-                <a:off x="2574622" y="4844734"/>
-                <a:ext cx="1042637" cy="318938"/>
-              </a:xfrm>
-              <a:prstGeom prst="rect">
-                <a:avLst/>
-              </a:prstGeom>
-              <a:noFill/>
-              <a:ln w="28575">
-                <a:solidFill>
-                  <a:srgbClr val="FF40FF"/>
-                </a:solidFill>
-              </a:ln>
-            </p:spPr>
-            <p:style>
-              <a:lnRef idx="2">
-                <a:schemeClr val="accent1">
-                  <a:shade val="50000"/>
-                </a:schemeClr>
-              </a:lnRef>
-              <a:fillRef idx="1">
-                <a:schemeClr val="accent1"/>
-              </a:fillRef>
-              <a:effectRef idx="0">
-                <a:schemeClr val="accent1"/>
-              </a:effectRef>
-              <a:fontRef idx="minor">
-                <a:schemeClr val="lt1"/>
-              </a:fontRef>
-            </p:style>
-            <p:txBody>
-              <a:bodyPr rtlCol="0" anchor="ctr"/>
-              <a:lstStyle/>
-              <a:p>
-                <a:pPr algn="ctr"/>
-                <a:endParaRPr kumimoji="1" lang="ja-JP" altLang="en-US"/>
-              </a:p>
-            </p:txBody>
-          </p:sp>
-          <p:sp>
-            <p:nvSpPr>
-              <p:cNvPr id="11" name="正方形/長方形 10">
-                <a:extLst>
-                  <a:ext uri="{FF2B5EF4-FFF2-40B4-BE49-F238E27FC236}">
-                    <a16:creationId xmlns:a16="http://schemas.microsoft.com/office/drawing/2014/main" id="{E7726936-032B-0840-949E-AEC5E727E064}"/>
-                  </a:ext>
-                </a:extLst>
-              </p:cNvPr>
-              <p:cNvSpPr/>
-              <p:nvPr/>
-            </p:nvSpPr>
-            <p:spPr>
-              <a:xfrm>
-                <a:off x="4259986" y="1742946"/>
-                <a:ext cx="1562590" cy="247219"/>
-              </a:xfrm>
-              <a:prstGeom prst="rect">
-                <a:avLst/>
-              </a:prstGeom>
-              <a:noFill/>
-              <a:ln w="28575">
-                <a:solidFill>
-                  <a:srgbClr val="FF40FF"/>
-                </a:solidFill>
-              </a:ln>
-            </p:spPr>
-            <p:style>
-              <a:lnRef idx="2">
-                <a:schemeClr val="accent1">
-                  <a:shade val="50000"/>
-                </a:schemeClr>
-              </a:lnRef>
-              <a:fillRef idx="1">
-                <a:schemeClr val="accent1"/>
-              </a:fillRef>
-              <a:effectRef idx="0">
-                <a:schemeClr val="accent1"/>
-              </a:effectRef>
-              <a:fontRef idx="minor">
-                <a:schemeClr val="lt1"/>
-              </a:fontRef>
-            </p:style>
-            <p:txBody>
-              <a:bodyPr rtlCol="0" anchor="ctr"/>
-              <a:lstStyle/>
-              <a:p>
-                <a:pPr algn="ctr"/>
-                <a:endParaRPr kumimoji="1" lang="ja-JP" altLang="en-US"/>
-              </a:p>
-            </p:txBody>
-          </p:sp>
-          <p:sp>
-            <p:nvSpPr>
-              <p:cNvPr id="12" name="正方形/長方形 11">
-                <a:extLst>
-                  <a:ext uri="{FF2B5EF4-FFF2-40B4-BE49-F238E27FC236}">
-                    <a16:creationId xmlns:a16="http://schemas.microsoft.com/office/drawing/2014/main" id="{57E53475-21FE-294D-AAB7-83F82D27E2CD}"/>
-                  </a:ext>
-                </a:extLst>
-              </p:cNvPr>
-              <p:cNvSpPr/>
-              <p:nvPr/>
-            </p:nvSpPr>
-            <p:spPr>
-              <a:xfrm>
-                <a:off x="4259986" y="4885766"/>
-                <a:ext cx="1562590" cy="247219"/>
-              </a:xfrm>
-              <a:prstGeom prst="rect">
-                <a:avLst/>
-              </a:prstGeom>
-              <a:noFill/>
-              <a:ln w="28575">
-                <a:solidFill>
-                  <a:srgbClr val="FF40FF"/>
-                </a:solidFill>
-              </a:ln>
-            </p:spPr>
-            <p:style>
-              <a:lnRef idx="2">
-                <a:schemeClr val="accent1">
-                  <a:shade val="50000"/>
-                </a:schemeClr>
-              </a:lnRef>
-              <a:fillRef idx="1">
-                <a:schemeClr val="accent1"/>
-              </a:fillRef>
-              <a:effectRef idx="0">
-                <a:schemeClr val="accent1"/>
-              </a:effectRef>
-              <a:fontRef idx="minor">
-                <a:schemeClr val="lt1"/>
-              </a:fontRef>
-            </p:style>
-            <p:txBody>
-              <a:bodyPr rtlCol="0" anchor="ctr"/>
-              <a:lstStyle/>
-              <a:p>
-                <a:pPr algn="ctr"/>
-                <a:endParaRPr kumimoji="1" lang="ja-JP" altLang="en-US"/>
-              </a:p>
-            </p:txBody>
-          </p:sp>
-        </p:grpSp>
+            <a:prstGeom prst="rect">
+              <a:avLst/>
+            </a:prstGeom>
+          </p:spPr>
+        </p:pic>
         <p:sp>
           <p:nvSpPr>
-            <p:cNvPr id="14" name="正方形/長方形 13">
+            <p:cNvPr id="6" name="正方形/長方形 5">
               <a:extLst>
                 <a:ext uri="{FF2B5EF4-FFF2-40B4-BE49-F238E27FC236}">
-                  <a16:creationId xmlns:a16="http://schemas.microsoft.com/office/drawing/2014/main" id="{46A6A3DD-4D31-344B-A714-1155DB2A604C}"/>
+                  <a16:creationId xmlns:a16="http://schemas.microsoft.com/office/drawing/2014/main" id="{996406C5-51CF-2F41-9974-AC710C87EEFE}"/>
                 </a:ext>
               </a:extLst>
             </p:cNvPr>
@@ -5292,8 +5946,8 @@
           </p:nvSpPr>
           <p:spPr>
             <a:xfrm>
-              <a:off x="2574621" y="1742946"/>
-              <a:ext cx="1042637" cy="318938"/>
+              <a:off x="4093490" y="2278321"/>
+              <a:ext cx="5882360" cy="3564539"/>
             </a:xfrm>
             <a:prstGeom prst="rect">
               <a:avLst/>
@@ -5334,7 +5988,7 @@
     </p:spTree>
     <p:extLst>
       <p:ext uri="{BB962C8B-B14F-4D97-AF65-F5344CB8AC3E}">
-        <p14:creationId xmlns:p14="http://schemas.microsoft.com/office/powerpoint/2010/main" val="3468034767"/>
+        <p14:creationId xmlns:p14="http://schemas.microsoft.com/office/powerpoint/2010/main" val="2291175701"/>
       </p:ext>
     </p:extLst>
   </p:cSld>
@@ -5344,7 +5998,7 @@
 </p:sld>
 </file>
 
-<file path=ppt/slides/slide7.xml><?xml version="1.0" encoding="utf-8"?>
+<file path=ppt/slides/slide6.xml><?xml version="1.0" encoding="utf-8"?>
 <p:sld xmlns:a="http://schemas.openxmlformats.org/drawingml/2006/main" xmlns:r="http://schemas.openxmlformats.org/officeDocument/2006/relationships" xmlns:p="http://schemas.openxmlformats.org/presentationml/2006/main">
   <p:cSld>
     <p:spTree>
@@ -5366,7 +6020,7 @@
           <p:cNvPr id="7" name="グループ化 6">
             <a:extLst>
               <a:ext uri="{FF2B5EF4-FFF2-40B4-BE49-F238E27FC236}">
-                <a16:creationId xmlns:a16="http://schemas.microsoft.com/office/drawing/2014/main" id="{C79EB8A8-57A9-A248-9865-E95892D289A9}"/>
+                <a16:creationId xmlns:a16="http://schemas.microsoft.com/office/drawing/2014/main" id="{7A9A1E5A-5024-484D-BA1C-12BBFB3BC0BD}"/>
               </a:ext>
             </a:extLst>
           </p:cNvPr>
@@ -5375,10 +6029,10 @@
         </p:nvGrpSpPr>
         <p:grpSpPr>
           <a:xfrm>
-            <a:off x="2312894" y="795899"/>
-            <a:ext cx="6808680" cy="4730841"/>
-            <a:chOff x="2312894" y="795899"/>
-            <a:chExt cx="6808680" cy="4730841"/>
+            <a:off x="1628087" y="1509226"/>
+            <a:ext cx="8317424" cy="4398322"/>
+            <a:chOff x="1628087" y="1509226"/>
+            <a:chExt cx="8317424" cy="4398322"/>
           </a:xfrm>
         </p:grpSpPr>
         <p:pic>
@@ -5386,7 +6040,7 @@
             <p:cNvPr id="3" name="図 2">
               <a:extLst>
                 <a:ext uri="{FF2B5EF4-FFF2-40B4-BE49-F238E27FC236}">
-                  <a16:creationId xmlns:a16="http://schemas.microsoft.com/office/drawing/2014/main" id="{80CDF454-5DA1-DB47-A609-85FD80E3E9D7}"/>
+                  <a16:creationId xmlns:a16="http://schemas.microsoft.com/office/drawing/2014/main" id="{0B300EEA-AB2E-1246-84C1-BDFEBF6CDAAF}"/>
                 </a:ext>
               </a:extLst>
             </p:cNvPr>
@@ -5403,8 +6057,8 @@
           </p:blipFill>
           <p:spPr>
             <a:xfrm>
-              <a:off x="2312894" y="795899"/>
-              <a:ext cx="6808680" cy="4730841"/>
+              <a:off x="1628087" y="1509226"/>
+              <a:ext cx="8317424" cy="4398322"/>
             </a:xfrm>
             <a:prstGeom prst="rect">
               <a:avLst/>
@@ -5413,10 +6067,10 @@
         </p:pic>
         <p:sp>
           <p:nvSpPr>
-            <p:cNvPr id="6" name="正方形/長方形 5">
+            <p:cNvPr id="4" name="正方形/長方形 3">
               <a:extLst>
                 <a:ext uri="{FF2B5EF4-FFF2-40B4-BE49-F238E27FC236}">
-                  <a16:creationId xmlns:a16="http://schemas.microsoft.com/office/drawing/2014/main" id="{386CE29B-0281-7D42-A290-0DBB90D3E3F9}"/>
+                  <a16:creationId xmlns:a16="http://schemas.microsoft.com/office/drawing/2014/main" id="{5C877CC1-8FB5-8E45-B5C7-8A0494D4B7D2}"/>
                 </a:ext>
               </a:extLst>
             </p:cNvPr>
@@ -5425,17 +6079,17 @@
           </p:nvSpPr>
           <p:spPr>
             <a:xfrm>
-              <a:off x="7893424" y="860612"/>
-              <a:ext cx="1143000" cy="201706"/>
+              <a:off x="1628087" y="5601288"/>
+              <a:ext cx="1734256" cy="306260"/>
             </a:xfrm>
             <a:prstGeom prst="rect">
               <a:avLst/>
             </a:prstGeom>
-            <a:solidFill>
-              <a:schemeClr val="tx1"/>
-            </a:solidFill>
-            <a:ln>
-              <a:noFill/>
+            <a:noFill/>
+            <a:ln w="28575">
+              <a:solidFill>
+                <a:srgbClr val="FF40FF"/>
+              </a:solidFill>
             </a:ln>
           </p:spPr>
           <p:style>
@@ -5465,10 +6119,10 @@
         </p:sp>
         <p:sp>
           <p:nvSpPr>
-            <p:cNvPr id="13" name="正方形/長方形 12">
+            <p:cNvPr id="5" name="正方形/長方形 4">
               <a:extLst>
                 <a:ext uri="{FF2B5EF4-FFF2-40B4-BE49-F238E27FC236}">
-                  <a16:creationId xmlns:a16="http://schemas.microsoft.com/office/drawing/2014/main" id="{A063F42D-A337-2E45-A78C-3051DECE1F41}"/>
+                  <a16:creationId xmlns:a16="http://schemas.microsoft.com/office/drawing/2014/main" id="{90FB5444-1877-144E-823F-3D383FDE1D65}"/>
                 </a:ext>
               </a:extLst>
             </p:cNvPr>
@@ -5477,8 +6131,60 @@
           </p:nvSpPr>
           <p:spPr>
             <a:xfrm>
-              <a:off x="8773886" y="5207802"/>
-              <a:ext cx="347688" cy="318938"/>
+              <a:off x="9189154" y="2335341"/>
+              <a:ext cx="745067" cy="373992"/>
+            </a:xfrm>
+            <a:prstGeom prst="rect">
+              <a:avLst/>
+            </a:prstGeom>
+            <a:noFill/>
+            <a:ln w="28575">
+              <a:solidFill>
+                <a:srgbClr val="FF40FF"/>
+              </a:solidFill>
+            </a:ln>
+          </p:spPr>
+          <p:style>
+            <a:lnRef idx="2">
+              <a:schemeClr val="accent1">
+                <a:shade val="50000"/>
+              </a:schemeClr>
+            </a:lnRef>
+            <a:fillRef idx="1">
+              <a:schemeClr val="accent1"/>
+            </a:fillRef>
+            <a:effectRef idx="0">
+              <a:schemeClr val="accent1"/>
+            </a:effectRef>
+            <a:fontRef idx="minor">
+              <a:schemeClr val="lt1"/>
+            </a:fontRef>
+          </p:style>
+          <p:txBody>
+            <a:bodyPr rtlCol="0" anchor="ctr"/>
+            <a:lstStyle/>
+            <a:p>
+              <a:pPr algn="ctr"/>
+              <a:endParaRPr kumimoji="1" lang="ja-JP" altLang="en-US"/>
+            </a:p>
+          </p:txBody>
+        </p:sp>
+        <p:sp>
+          <p:nvSpPr>
+            <p:cNvPr id="6" name="正方形/長方形 5">
+              <a:extLst>
+                <a:ext uri="{FF2B5EF4-FFF2-40B4-BE49-F238E27FC236}">
+                  <a16:creationId xmlns:a16="http://schemas.microsoft.com/office/drawing/2014/main" id="{8A8D8E8E-6E4D-7C4E-BBE9-453B29112EC0}"/>
+                </a:ext>
+              </a:extLst>
+            </p:cNvPr>
+            <p:cNvSpPr/>
+            <p:nvPr/>
+          </p:nvSpPr>
+          <p:spPr>
+            <a:xfrm>
+              <a:off x="8444086" y="3708387"/>
+              <a:ext cx="745068" cy="242724"/>
             </a:xfrm>
             <a:prstGeom prst="rect">
               <a:avLst/>
@@ -5519,7 +6225,7 @@
     </p:spTree>
     <p:extLst>
       <p:ext uri="{BB962C8B-B14F-4D97-AF65-F5344CB8AC3E}">
-        <p14:creationId xmlns:p14="http://schemas.microsoft.com/office/powerpoint/2010/main" val="2030671072"/>
+        <p14:creationId xmlns:p14="http://schemas.microsoft.com/office/powerpoint/2010/main" val="3795467533"/>
       </p:ext>
     </p:extLst>
   </p:cSld>
@@ -5529,7 +6235,7 @@
 </p:sld>
 </file>
 
-<file path=ppt/slides/slide8.xml><?xml version="1.0" encoding="utf-8"?>
+<file path=ppt/slides/slide7.xml><?xml version="1.0" encoding="utf-8"?>
 <p:sld xmlns:a="http://schemas.openxmlformats.org/drawingml/2006/main" xmlns:r="http://schemas.openxmlformats.org/officeDocument/2006/relationships" xmlns:p="http://schemas.openxmlformats.org/presentationml/2006/main">
   <p:cSld>
     <p:spTree>
@@ -5548,10 +6254,10 @@
       </p:grpSpPr>
       <p:grpSp>
         <p:nvGrpSpPr>
-          <p:cNvPr id="5" name="グループ化 4">
-            <a:extLst>
-              <a:ext uri="{FF2B5EF4-FFF2-40B4-BE49-F238E27FC236}">
-                <a16:creationId xmlns:a16="http://schemas.microsoft.com/office/drawing/2014/main" id="{39832920-476C-1243-8860-54CA0F297A4F}"/>
+          <p:cNvPr id="7" name="グループ化 6">
+            <a:extLst>
+              <a:ext uri="{FF2B5EF4-FFF2-40B4-BE49-F238E27FC236}">
+                <a16:creationId xmlns:a16="http://schemas.microsoft.com/office/drawing/2014/main" id="{B0B76E87-24CF-6444-8674-35EB5796AA57}"/>
               </a:ext>
             </a:extLst>
           </p:cNvPr>
@@ -5560,10 +6266,10 @@
         </p:nvGrpSpPr>
         <p:grpSpPr>
           <a:xfrm>
-            <a:off x="2481941" y="2434028"/>
-            <a:ext cx="7445829" cy="1928569"/>
-            <a:chOff x="2481941" y="2434028"/>
-            <a:chExt cx="7445829" cy="1928569"/>
+            <a:off x="1239863" y="1032136"/>
+            <a:ext cx="8983851" cy="4793727"/>
+            <a:chOff x="1239863" y="1032136"/>
+            <a:chExt cx="8983851" cy="4793727"/>
           </a:xfrm>
         </p:grpSpPr>
         <p:pic>
@@ -5571,7 +6277,7 @@
             <p:cNvPr id="4" name="図 3">
               <a:extLst>
                 <a:ext uri="{FF2B5EF4-FFF2-40B4-BE49-F238E27FC236}">
-                  <a16:creationId xmlns:a16="http://schemas.microsoft.com/office/drawing/2014/main" id="{610FC7C8-F10E-D44E-A56E-BF5547ED6DFB}"/>
+                  <a16:creationId xmlns:a16="http://schemas.microsoft.com/office/drawing/2014/main" id="{8F9EC569-DFB2-804F-8E3F-23CF891EF66F}"/>
                 </a:ext>
               </a:extLst>
             </p:cNvPr>
@@ -5588,8 +6294,8 @@
           </p:blipFill>
           <p:spPr>
             <a:xfrm>
-              <a:off x="2481941" y="2434028"/>
-              <a:ext cx="7445829" cy="1928569"/>
+              <a:off x="1239863" y="1032136"/>
+              <a:ext cx="8983851" cy="4793727"/>
             </a:xfrm>
             <a:prstGeom prst="rect">
               <a:avLst/>
@@ -5598,10 +6304,10 @@
         </p:pic>
         <p:sp>
           <p:nvSpPr>
-            <p:cNvPr id="13" name="正方形/長方形 12">
+            <p:cNvPr id="5" name="正方形/長方形 4">
               <a:extLst>
                 <a:ext uri="{FF2B5EF4-FFF2-40B4-BE49-F238E27FC236}">
-                  <a16:creationId xmlns:a16="http://schemas.microsoft.com/office/drawing/2014/main" id="{A063F42D-A337-2E45-A78C-3051DECE1F41}"/>
+                  <a16:creationId xmlns:a16="http://schemas.microsoft.com/office/drawing/2014/main" id="{244A1F23-0C0E-DF4B-9581-FBF46713B899}"/>
                 </a:ext>
               </a:extLst>
             </p:cNvPr>
@@ -5610,8 +6316,60 @@
           </p:nvSpPr>
           <p:spPr>
             <a:xfrm>
-              <a:off x="7369629" y="3101146"/>
-              <a:ext cx="1284513" cy="318938"/>
+              <a:off x="3332709" y="5431954"/>
+              <a:ext cx="618402" cy="306260"/>
+            </a:xfrm>
+            <a:prstGeom prst="rect">
+              <a:avLst/>
+            </a:prstGeom>
+            <a:noFill/>
+            <a:ln w="28575">
+              <a:solidFill>
+                <a:srgbClr val="FF40FF"/>
+              </a:solidFill>
+            </a:ln>
+          </p:spPr>
+          <p:style>
+            <a:lnRef idx="2">
+              <a:schemeClr val="accent1">
+                <a:shade val="50000"/>
+              </a:schemeClr>
+            </a:lnRef>
+            <a:fillRef idx="1">
+              <a:schemeClr val="accent1"/>
+            </a:fillRef>
+            <a:effectRef idx="0">
+              <a:schemeClr val="accent1"/>
+            </a:effectRef>
+            <a:fontRef idx="minor">
+              <a:schemeClr val="lt1"/>
+            </a:fontRef>
+          </p:style>
+          <p:txBody>
+            <a:bodyPr rtlCol="0" anchor="ctr"/>
+            <a:lstStyle/>
+            <a:p>
+              <a:pPr algn="ctr"/>
+              <a:endParaRPr kumimoji="1" lang="ja-JP" altLang="en-US"/>
+            </a:p>
+          </p:txBody>
+        </p:sp>
+        <p:sp>
+          <p:nvSpPr>
+            <p:cNvPr id="6" name="正方形/長方形 5">
+              <a:extLst>
+                <a:ext uri="{FF2B5EF4-FFF2-40B4-BE49-F238E27FC236}">
+                  <a16:creationId xmlns:a16="http://schemas.microsoft.com/office/drawing/2014/main" id="{51C367A4-9BAB-F147-901E-AC1EEB95F938}"/>
+                </a:ext>
+              </a:extLst>
+            </p:cNvPr>
+            <p:cNvSpPr/>
+            <p:nvPr/>
+          </p:nvSpPr>
+          <p:spPr>
+            <a:xfrm>
+              <a:off x="3332708" y="2772655"/>
+              <a:ext cx="3192269" cy="1810634"/>
             </a:xfrm>
             <a:prstGeom prst="rect">
               <a:avLst/>
@@ -5652,7 +6410,7 @@
     </p:spTree>
     <p:extLst>
       <p:ext uri="{BB962C8B-B14F-4D97-AF65-F5344CB8AC3E}">
-        <p14:creationId xmlns:p14="http://schemas.microsoft.com/office/powerpoint/2010/main" val="3870202658"/>
+        <p14:creationId xmlns:p14="http://schemas.microsoft.com/office/powerpoint/2010/main" val="1575511186"/>
       </p:ext>
     </p:extLst>
   </p:cSld>
@@ -5662,7 +6420,7 @@
 </p:sld>
 </file>
 
-<file path=ppt/slides/slide9.xml><?xml version="1.0" encoding="utf-8"?>
+<file path=ppt/slides/slide8.xml><?xml version="1.0" encoding="utf-8"?>
 <p:sld xmlns:a="http://schemas.openxmlformats.org/drawingml/2006/main" xmlns:r="http://schemas.openxmlformats.org/officeDocument/2006/relationships" xmlns:p="http://schemas.openxmlformats.org/presentationml/2006/main">
   <p:cSld>
     <p:spTree>
@@ -5681,10 +6439,10 @@
       </p:grpSpPr>
       <p:grpSp>
         <p:nvGrpSpPr>
-          <p:cNvPr id="5" name="グループ化 4">
-            <a:extLst>
-              <a:ext uri="{FF2B5EF4-FFF2-40B4-BE49-F238E27FC236}">
-                <a16:creationId xmlns:a16="http://schemas.microsoft.com/office/drawing/2014/main" id="{739EA506-B8A4-5B46-91E1-A99CE66989CB}"/>
+          <p:cNvPr id="6" name="グループ化 5">
+            <a:extLst>
+              <a:ext uri="{FF2B5EF4-FFF2-40B4-BE49-F238E27FC236}">
+                <a16:creationId xmlns:a16="http://schemas.microsoft.com/office/drawing/2014/main" id="{747C0DBF-73DC-A74A-BCFB-4420BCBCA782}"/>
               </a:ext>
             </a:extLst>
           </p:cNvPr>
@@ -5693,10 +6451,10 @@
         </p:nvGrpSpPr>
         <p:grpSpPr>
           <a:xfrm>
-            <a:off x="2026730" y="833718"/>
-            <a:ext cx="8138539" cy="4935071"/>
-            <a:chOff x="2026730" y="833718"/>
-            <a:chExt cx="8138539" cy="4935071"/>
+            <a:off x="1247613" y="2267937"/>
+            <a:ext cx="9696773" cy="3335388"/>
+            <a:chOff x="1247613" y="2267937"/>
+            <a:chExt cx="9696773" cy="3335388"/>
           </a:xfrm>
         </p:grpSpPr>
         <p:pic>
@@ -5704,7 +6462,7 @@
             <p:cNvPr id="3" name="図 2">
               <a:extLst>
                 <a:ext uri="{FF2B5EF4-FFF2-40B4-BE49-F238E27FC236}">
-                  <a16:creationId xmlns:a16="http://schemas.microsoft.com/office/drawing/2014/main" id="{5D469D34-65A2-554D-9317-A22A07729219}"/>
+                  <a16:creationId xmlns:a16="http://schemas.microsoft.com/office/drawing/2014/main" id="{11B4FDF4-D148-4D46-B322-3D5801D4EED3}"/>
                 </a:ext>
               </a:extLst>
             </p:cNvPr>
@@ -5721,8 +6479,8 @@
           </p:blipFill>
           <p:spPr>
             <a:xfrm>
-              <a:off x="2026730" y="833718"/>
-              <a:ext cx="8138539" cy="4935071"/>
+              <a:off x="1247613" y="2267937"/>
+              <a:ext cx="9696773" cy="3335388"/>
             </a:xfrm>
             <a:prstGeom prst="rect">
               <a:avLst/>
@@ -5731,10 +6489,10 @@
         </p:pic>
         <p:sp>
           <p:nvSpPr>
-            <p:cNvPr id="7" name="正方形/長方形 6">
+            <p:cNvPr id="4" name="正方形/長方形 3">
               <a:extLst>
                 <a:ext uri="{FF2B5EF4-FFF2-40B4-BE49-F238E27FC236}">
-                  <a16:creationId xmlns:a16="http://schemas.microsoft.com/office/drawing/2014/main" id="{8C4D961E-B419-E542-B575-A5F7C1EF8E6A}"/>
+                  <a16:creationId xmlns:a16="http://schemas.microsoft.com/office/drawing/2014/main" id="{107F20F4-BBC7-1A48-9642-2137E50C1084}"/>
                 </a:ext>
               </a:extLst>
             </p:cNvPr>
@@ -5743,8 +6501,60 @@
           </p:nvSpPr>
           <p:spPr>
             <a:xfrm>
-              <a:off x="8041981" y="1675758"/>
-              <a:ext cx="1774372" cy="1928054"/>
+              <a:off x="3627177" y="4463512"/>
+              <a:ext cx="1533760" cy="259262"/>
+            </a:xfrm>
+            <a:prstGeom prst="rect">
+              <a:avLst/>
+            </a:prstGeom>
+            <a:noFill/>
+            <a:ln w="28575">
+              <a:solidFill>
+                <a:srgbClr val="FF40FF"/>
+              </a:solidFill>
+            </a:ln>
+          </p:spPr>
+          <p:style>
+            <a:lnRef idx="2">
+              <a:schemeClr val="accent1">
+                <a:shade val="50000"/>
+              </a:schemeClr>
+            </a:lnRef>
+            <a:fillRef idx="1">
+              <a:schemeClr val="accent1"/>
+            </a:fillRef>
+            <a:effectRef idx="0">
+              <a:schemeClr val="accent1"/>
+            </a:effectRef>
+            <a:fontRef idx="minor">
+              <a:schemeClr val="lt1"/>
+            </a:fontRef>
+          </p:style>
+          <p:txBody>
+            <a:bodyPr rtlCol="0" anchor="ctr"/>
+            <a:lstStyle/>
+            <a:p>
+              <a:pPr algn="ctr"/>
+              <a:endParaRPr kumimoji="1" lang="ja-JP" altLang="en-US"/>
+            </a:p>
+          </p:txBody>
+        </p:sp>
+        <p:sp>
+          <p:nvSpPr>
+            <p:cNvPr id="5" name="正方形/長方形 4">
+              <a:extLst>
+                <a:ext uri="{FF2B5EF4-FFF2-40B4-BE49-F238E27FC236}">
+                  <a16:creationId xmlns:a16="http://schemas.microsoft.com/office/drawing/2014/main" id="{EFC87E83-0516-294E-9137-B7E799F90B4B}"/>
+                </a:ext>
+              </a:extLst>
+            </p:cNvPr>
+            <p:cNvSpPr/>
+            <p:nvPr/>
+          </p:nvSpPr>
+          <p:spPr>
+            <a:xfrm>
+              <a:off x="1247613" y="5080861"/>
+              <a:ext cx="1046136" cy="374542"/>
             </a:xfrm>
             <a:prstGeom prst="rect">
               <a:avLst/>
@@ -5785,7 +6595,140 @@
     </p:spTree>
     <p:extLst>
       <p:ext uri="{BB962C8B-B14F-4D97-AF65-F5344CB8AC3E}">
-        <p14:creationId xmlns:p14="http://schemas.microsoft.com/office/powerpoint/2010/main" val="2738508002"/>
+        <p14:creationId xmlns:p14="http://schemas.microsoft.com/office/powerpoint/2010/main" val="3243250097"/>
+      </p:ext>
+    </p:extLst>
+  </p:cSld>
+  <p:clrMapOvr>
+    <a:masterClrMapping/>
+  </p:clrMapOvr>
+</p:sld>
+</file>
+
+<file path=ppt/slides/slide9.xml><?xml version="1.0" encoding="utf-8"?>
+<p:sld xmlns:a="http://schemas.openxmlformats.org/drawingml/2006/main" xmlns:r="http://schemas.openxmlformats.org/officeDocument/2006/relationships" xmlns:p="http://schemas.openxmlformats.org/presentationml/2006/main">
+  <p:cSld>
+    <p:spTree>
+      <p:nvGrpSpPr>
+        <p:cNvPr id="1" name=""/>
+        <p:cNvGrpSpPr/>
+        <p:nvPr/>
+      </p:nvGrpSpPr>
+      <p:grpSpPr>
+        <a:xfrm>
+          <a:off x="0" y="0"/>
+          <a:ext cx="0" cy="0"/>
+          <a:chOff x="0" y="0"/>
+          <a:chExt cx="0" cy="0"/>
+        </a:xfrm>
+      </p:grpSpPr>
+      <p:grpSp>
+        <p:nvGrpSpPr>
+          <p:cNvPr id="5" name="グループ化 4">
+            <a:extLst>
+              <a:ext uri="{FF2B5EF4-FFF2-40B4-BE49-F238E27FC236}">
+                <a16:creationId xmlns:a16="http://schemas.microsoft.com/office/drawing/2014/main" id="{9DD42982-3374-534C-99ED-DFACED757BB8}"/>
+              </a:ext>
+            </a:extLst>
+          </p:cNvPr>
+          <p:cNvGrpSpPr/>
+          <p:nvPr/>
+        </p:nvGrpSpPr>
+        <p:grpSpPr>
+          <a:xfrm>
+            <a:off x="1573078" y="1695336"/>
+            <a:ext cx="9045844" cy="3843052"/>
+            <a:chOff x="1573078" y="1695336"/>
+            <a:chExt cx="9045844" cy="3843052"/>
+          </a:xfrm>
+        </p:grpSpPr>
+        <p:pic>
+          <p:nvPicPr>
+            <p:cNvPr id="3" name="図 2">
+              <a:extLst>
+                <a:ext uri="{FF2B5EF4-FFF2-40B4-BE49-F238E27FC236}">
+                  <a16:creationId xmlns:a16="http://schemas.microsoft.com/office/drawing/2014/main" id="{80566626-BD1D-8A49-BE50-6CA4766DDE0D}"/>
+                </a:ext>
+              </a:extLst>
+            </p:cNvPr>
+            <p:cNvPicPr>
+              <a:picLocks noChangeAspect="1"/>
+            </p:cNvPicPr>
+            <p:nvPr/>
+          </p:nvPicPr>
+          <p:blipFill>
+            <a:blip r:embed="rId2"/>
+            <a:stretch>
+              <a:fillRect/>
+            </a:stretch>
+          </p:blipFill>
+          <p:spPr>
+            <a:xfrm>
+              <a:off x="1573078" y="1695336"/>
+              <a:ext cx="9045844" cy="3843052"/>
+            </a:xfrm>
+            <a:prstGeom prst="rect">
+              <a:avLst/>
+            </a:prstGeom>
+          </p:spPr>
+        </p:pic>
+        <p:sp>
+          <p:nvSpPr>
+            <p:cNvPr id="4" name="正方形/長方形 3">
+              <a:extLst>
+                <a:ext uri="{FF2B5EF4-FFF2-40B4-BE49-F238E27FC236}">
+                  <a16:creationId xmlns:a16="http://schemas.microsoft.com/office/drawing/2014/main" id="{4631EEDA-855C-9946-A08D-0DBBDCD3280A}"/>
+                </a:ext>
+              </a:extLst>
+            </p:cNvPr>
+            <p:cNvSpPr/>
+            <p:nvPr/>
+          </p:nvSpPr>
+          <p:spPr>
+            <a:xfrm>
+              <a:off x="9240145" y="4708328"/>
+              <a:ext cx="1292387" cy="454336"/>
+            </a:xfrm>
+            <a:prstGeom prst="rect">
+              <a:avLst/>
+            </a:prstGeom>
+            <a:noFill/>
+            <a:ln w="28575">
+              <a:solidFill>
+                <a:srgbClr val="FF40FF"/>
+              </a:solidFill>
+            </a:ln>
+          </p:spPr>
+          <p:style>
+            <a:lnRef idx="2">
+              <a:schemeClr val="accent1">
+                <a:shade val="50000"/>
+              </a:schemeClr>
+            </a:lnRef>
+            <a:fillRef idx="1">
+              <a:schemeClr val="accent1"/>
+            </a:fillRef>
+            <a:effectRef idx="0">
+              <a:schemeClr val="accent1"/>
+            </a:effectRef>
+            <a:fontRef idx="minor">
+              <a:schemeClr val="lt1"/>
+            </a:fontRef>
+          </p:style>
+          <p:txBody>
+            <a:bodyPr rtlCol="0" anchor="ctr"/>
+            <a:lstStyle/>
+            <a:p>
+              <a:pPr algn="ctr"/>
+              <a:endParaRPr kumimoji="1" lang="ja-JP" altLang="en-US"/>
+            </a:p>
+          </p:txBody>
+        </p:sp>
+      </p:grpSp>
+    </p:spTree>
+    <p:extLst>
+      <p:ext uri="{BB962C8B-B14F-4D97-AF65-F5344CB8AC3E}">
+        <p14:creationId xmlns:p14="http://schemas.microsoft.com/office/powerpoint/2010/main" val="2403596558"/>
       </p:ext>
     </p:extLst>
   </p:cSld>
